--- a/Project presentation 4thyear V2.pptx
+++ b/Project presentation 4thyear V2.pptx
@@ -12,12 +12,13 @@
     <p:sldId id="261" r:id="rId6"/>
     <p:sldId id="262" r:id="rId7"/>
     <p:sldId id="263" r:id="rId8"/>
-    <p:sldId id="264" r:id="rId9"/>
-    <p:sldId id="265" r:id="rId10"/>
-    <p:sldId id="266" r:id="rId11"/>
-    <p:sldId id="268" r:id="rId12"/>
-    <p:sldId id="269" r:id="rId13"/>
-    <p:sldId id="270" r:id="rId14"/>
+    <p:sldId id="271" r:id="rId9"/>
+    <p:sldId id="272" r:id="rId10"/>
+    <p:sldId id="265" r:id="rId11"/>
+    <p:sldId id="266" r:id="rId12"/>
+    <p:sldId id="268" r:id="rId13"/>
+    <p:sldId id="269" r:id="rId14"/>
+    <p:sldId id="270" r:id="rId15"/>
   </p:sldIdLst>
   <p:sldSz cx="12192000" cy="6858000"/>
   <p:notesSz cx="6858000" cy="9144000"/>
@@ -168,7 +169,7 @@
           </a:lstStyle>
           <a:p>
             <a:r>
-              <a:rPr lang="fr-FR" smtClean="0"/>
+              <a:rPr lang="fr-FR"/>
               <a:t>Modifiez le style du titre</a:t>
             </a:r>
             <a:endParaRPr lang="en-US" dirty="0"/>
@@ -285,7 +286,7 @@
           </a:lstStyle>
           <a:p>
             <a:r>
-              <a:rPr lang="fr-FR" smtClean="0"/>
+              <a:rPr lang="fr-FR"/>
               <a:t>Modifiez le style des sous-titres du masque</a:t>
             </a:r>
             <a:endParaRPr lang="en-US" dirty="0"/>
@@ -309,7 +310,7 @@
           <a:p>
             <a:fld id="{8D2FC4B8-7BFF-4E20-8B9D-0D25F3DE58C1}" type="datetimeFigureOut">
               <a:rPr lang="fr-FR" smtClean="0"/>
-              <a:t>22/06/2020</a:t>
+              <a:t>24/06/2020</a:t>
             </a:fld>
             <a:endParaRPr lang="fr-FR"/>
           </a:p>
@@ -444,7 +445,7 @@
           </a:lstStyle>
           <a:p>
             <a:r>
-              <a:rPr lang="fr-FR" smtClean="0"/>
+              <a:rPr lang="fr-FR"/>
               <a:t>Modifiez le style du titre</a:t>
             </a:r>
             <a:endParaRPr lang="en-US" dirty="0"/>
@@ -518,7 +519,7 @@
           </a:lstStyle>
           <a:p>
             <a:r>
-              <a:rPr lang="fr-FR" smtClean="0"/>
+              <a:rPr lang="fr-FR"/>
               <a:t>Cliquez sur l'icône pour ajouter une image</a:t>
             </a:r>
             <a:endParaRPr lang="en-US" dirty="0"/>
@@ -584,7 +585,7 @@
           <a:p>
             <a:pPr lvl="0"/>
             <a:r>
-              <a:rPr lang="fr-FR" smtClean="0"/>
+              <a:rPr lang="fr-FR"/>
               <a:t>Modifiez les styles du texte du masque</a:t>
             </a:r>
           </a:p>
@@ -607,7 +608,7 @@
           <a:p>
             <a:fld id="{8D2FC4B8-7BFF-4E20-8B9D-0D25F3DE58C1}" type="datetimeFigureOut">
               <a:rPr lang="fr-FR" smtClean="0"/>
-              <a:t>22/06/2020</a:t>
+              <a:t>24/06/2020</a:t>
             </a:fld>
             <a:endParaRPr lang="fr-FR"/>
           </a:p>
@@ -710,7 +711,7 @@
           </a:lstStyle>
           <a:p>
             <a:r>
-              <a:rPr lang="fr-FR" smtClean="0"/>
+              <a:rPr lang="fr-FR"/>
               <a:t>Modifiez le style du titre</a:t>
             </a:r>
             <a:endParaRPr lang="en-US" dirty="0"/>
@@ -776,7 +777,7 @@
           <a:p>
             <a:pPr lvl="0"/>
             <a:r>
-              <a:rPr lang="fr-FR" smtClean="0"/>
+              <a:rPr lang="fr-FR"/>
               <a:t>Modifiez les styles du texte du masque</a:t>
             </a:r>
           </a:p>
@@ -799,7 +800,7 @@
           <a:p>
             <a:fld id="{8D2FC4B8-7BFF-4E20-8B9D-0D25F3DE58C1}" type="datetimeFigureOut">
               <a:rPr lang="fr-FR" smtClean="0"/>
-              <a:t>22/06/2020</a:t>
+              <a:t>24/06/2020</a:t>
             </a:fld>
             <a:endParaRPr lang="fr-FR"/>
           </a:p>
@@ -902,7 +903,7 @@
           </a:lstStyle>
           <a:p>
             <a:r>
-              <a:rPr lang="fr-FR" smtClean="0"/>
+              <a:rPr lang="fr-FR"/>
               <a:t>Modifiez le style du titre</a:t>
             </a:r>
             <a:endParaRPr lang="en-US" dirty="0"/>
@@ -970,7 +971,7 @@
           <a:p>
             <a:pPr lvl="0"/>
             <a:r>
-              <a:rPr lang="fr-FR" smtClean="0"/>
+              <a:rPr lang="fr-FR"/>
               <a:t>Modifiez les styles du texte du masque</a:t>
             </a:r>
           </a:p>
@@ -1037,7 +1038,7 @@
           <a:p>
             <a:pPr lvl="0"/>
             <a:r>
-              <a:rPr lang="fr-FR" smtClean="0"/>
+              <a:rPr lang="fr-FR"/>
               <a:t>Modifiez les styles du texte du masque</a:t>
             </a:r>
           </a:p>
@@ -1060,7 +1061,7 @@
           <a:p>
             <a:fld id="{8D2FC4B8-7BFF-4E20-8B9D-0D25F3DE58C1}" type="datetimeFigureOut">
               <a:rPr lang="fr-FR" smtClean="0"/>
-              <a:t>22/06/2020</a:t>
+              <a:t>24/06/2020</a:t>
             </a:fld>
             <a:endParaRPr lang="fr-FR"/>
           </a:p>
@@ -1395,7 +1396,7 @@
           </a:lstStyle>
           <a:p>
             <a:r>
-              <a:rPr lang="fr-FR" smtClean="0"/>
+              <a:rPr lang="fr-FR"/>
               <a:t>Modifiez le style du titre</a:t>
             </a:r>
             <a:endParaRPr lang="en-US" dirty="0"/>
@@ -1461,7 +1462,7 @@
           <a:p>
             <a:pPr lvl="0"/>
             <a:r>
-              <a:rPr lang="fr-FR" smtClean="0"/>
+              <a:rPr lang="fr-FR"/>
               <a:t>Modifiez les styles du texte du masque</a:t>
             </a:r>
           </a:p>
@@ -1484,7 +1485,7 @@
           <a:p>
             <a:fld id="{8D2FC4B8-7BFF-4E20-8B9D-0D25F3DE58C1}" type="datetimeFigureOut">
               <a:rPr lang="fr-FR" smtClean="0"/>
-              <a:t>22/06/2020</a:t>
+              <a:t>24/06/2020</a:t>
             </a:fld>
             <a:endParaRPr lang="fr-FR"/>
           </a:p>
@@ -1583,7 +1584,7 @@
           <a:lstStyle/>
           <a:p>
             <a:r>
-              <a:rPr lang="fr-FR" smtClean="0"/>
+              <a:rPr lang="fr-FR"/>
               <a:t>Modifiez le style du titre</a:t>
             </a:r>
             <a:endParaRPr lang="en-US" dirty="0"/>
@@ -1655,7 +1656,7 @@
           <a:p>
             <a:pPr lvl="0"/>
             <a:r>
-              <a:rPr lang="fr-FR" smtClean="0"/>
+              <a:rPr lang="fr-FR"/>
               <a:t>Modifiez les styles du texte du masque</a:t>
             </a:r>
           </a:p>
@@ -1722,7 +1723,7 @@
           <a:p>
             <a:pPr lvl="0"/>
             <a:r>
-              <a:rPr lang="fr-FR" smtClean="0"/>
+              <a:rPr lang="fr-FR"/>
               <a:t>Modifiez les styles du texte du masque</a:t>
             </a:r>
           </a:p>
@@ -1793,7 +1794,7 @@
           <a:p>
             <a:pPr lvl="0"/>
             <a:r>
-              <a:rPr lang="fr-FR" smtClean="0"/>
+              <a:rPr lang="fr-FR"/>
               <a:t>Modifiez les styles du texte du masque</a:t>
             </a:r>
           </a:p>
@@ -1860,7 +1861,7 @@
           <a:p>
             <a:pPr lvl="0"/>
             <a:r>
-              <a:rPr lang="fr-FR" smtClean="0"/>
+              <a:rPr lang="fr-FR"/>
               <a:t>Modifiez les styles du texte du masque</a:t>
             </a:r>
           </a:p>
@@ -1931,7 +1932,7 @@
           <a:p>
             <a:pPr lvl="0"/>
             <a:r>
-              <a:rPr lang="fr-FR" smtClean="0"/>
+              <a:rPr lang="fr-FR"/>
               <a:t>Modifiez les styles du texte du masque</a:t>
             </a:r>
           </a:p>
@@ -1998,7 +1999,7 @@
           <a:p>
             <a:pPr lvl="0"/>
             <a:r>
-              <a:rPr lang="fr-FR" smtClean="0"/>
+              <a:rPr lang="fr-FR"/>
               <a:t>Modifiez les styles du texte du masque</a:t>
             </a:r>
           </a:p>
@@ -2021,7 +2022,7 @@
           <a:p>
             <a:fld id="{8D2FC4B8-7BFF-4E20-8B9D-0D25F3DE58C1}" type="datetimeFigureOut">
               <a:rPr lang="fr-FR" smtClean="0"/>
-              <a:t>22/06/2020</a:t>
+              <a:t>24/06/2020</a:t>
             </a:fld>
             <a:endParaRPr lang="fr-FR"/>
           </a:p>
@@ -2210,7 +2211,7 @@
           <a:lstStyle/>
           <a:p>
             <a:r>
-              <a:rPr lang="fr-FR" smtClean="0"/>
+              <a:rPr lang="fr-FR"/>
               <a:t>Modifiez le style du titre</a:t>
             </a:r>
             <a:endParaRPr lang="en-US" dirty="0"/>
@@ -2282,7 +2283,7 @@
           <a:p>
             <a:pPr lvl="0"/>
             <a:r>
-              <a:rPr lang="fr-FR" smtClean="0"/>
+              <a:rPr lang="fr-FR"/>
               <a:t>Modifiez les styles du texte du masque</a:t>
             </a:r>
           </a:p>
@@ -2360,7 +2361,7 @@
           </a:lstStyle>
           <a:p>
             <a:r>
-              <a:rPr lang="fr-FR" smtClean="0"/>
+              <a:rPr lang="fr-FR"/>
               <a:t>Cliquez sur l'icône pour ajouter une image</a:t>
             </a:r>
             <a:endParaRPr lang="en-US" dirty="0"/>
@@ -2428,7 +2429,7 @@
           <a:p>
             <a:pPr lvl="0"/>
             <a:r>
-              <a:rPr lang="fr-FR" smtClean="0"/>
+              <a:rPr lang="fr-FR"/>
               <a:t>Modifiez les styles du texte du masque</a:t>
             </a:r>
           </a:p>
@@ -2499,7 +2500,7 @@
           <a:p>
             <a:pPr lvl="0"/>
             <a:r>
-              <a:rPr lang="fr-FR" smtClean="0"/>
+              <a:rPr lang="fr-FR"/>
               <a:t>Modifiez les styles du texte du masque</a:t>
             </a:r>
           </a:p>
@@ -2577,7 +2578,7 @@
           </a:lstStyle>
           <a:p>
             <a:r>
-              <a:rPr lang="fr-FR" smtClean="0"/>
+              <a:rPr lang="fr-FR"/>
               <a:t>Cliquez sur l'icône pour ajouter une image</a:t>
             </a:r>
             <a:endParaRPr lang="en-US" dirty="0"/>
@@ -2645,7 +2646,7 @@
           <a:p>
             <a:pPr lvl="0"/>
             <a:r>
-              <a:rPr lang="fr-FR" smtClean="0"/>
+              <a:rPr lang="fr-FR"/>
               <a:t>Modifiez les styles du texte du masque</a:t>
             </a:r>
           </a:p>
@@ -2716,7 +2717,7 @@
           <a:p>
             <a:pPr lvl="0"/>
             <a:r>
-              <a:rPr lang="fr-FR" smtClean="0"/>
+              <a:rPr lang="fr-FR"/>
               <a:t>Modifiez les styles du texte du masque</a:t>
             </a:r>
           </a:p>
@@ -2794,7 +2795,7 @@
           </a:lstStyle>
           <a:p>
             <a:r>
-              <a:rPr lang="fr-FR" smtClean="0"/>
+              <a:rPr lang="fr-FR"/>
               <a:t>Cliquez sur l'icône pour ajouter une image</a:t>
             </a:r>
             <a:endParaRPr lang="en-US" dirty="0"/>
@@ -2862,7 +2863,7 @@
           <a:p>
             <a:pPr lvl="0"/>
             <a:r>
-              <a:rPr lang="fr-FR" smtClean="0"/>
+              <a:rPr lang="fr-FR"/>
               <a:t>Modifiez les styles du texte du masque</a:t>
             </a:r>
           </a:p>
@@ -2885,7 +2886,7 @@
           <a:p>
             <a:fld id="{8D2FC4B8-7BFF-4E20-8B9D-0D25F3DE58C1}" type="datetimeFigureOut">
               <a:rPr lang="fr-FR" smtClean="0"/>
-              <a:t>22/06/2020</a:t>
+              <a:t>24/06/2020</a:t>
             </a:fld>
             <a:endParaRPr lang="fr-FR"/>
           </a:p>
@@ -2979,7 +2980,7 @@
           <a:lstStyle/>
           <a:p>
             <a:r>
-              <a:rPr lang="fr-FR" smtClean="0"/>
+              <a:rPr lang="fr-FR"/>
               <a:t>Modifiez le style du titre</a:t>
             </a:r>
             <a:endParaRPr lang="en-US" dirty="0"/>
@@ -3003,35 +3004,35 @@
           <a:p>
             <a:pPr lvl="0"/>
             <a:r>
-              <a:rPr lang="fr-FR" smtClean="0"/>
+              <a:rPr lang="fr-FR"/>
               <a:t>Modifiez les styles du texte du masque</a:t>
             </a:r>
           </a:p>
           <a:p>
             <a:pPr lvl="1"/>
             <a:r>
-              <a:rPr lang="fr-FR" smtClean="0"/>
+              <a:rPr lang="fr-FR"/>
               <a:t>Deuxième niveau</a:t>
             </a:r>
           </a:p>
           <a:p>
             <a:pPr lvl="2"/>
             <a:r>
-              <a:rPr lang="fr-FR" smtClean="0"/>
+              <a:rPr lang="fr-FR"/>
               <a:t>Troisième niveau</a:t>
             </a:r>
           </a:p>
           <a:p>
             <a:pPr lvl="3"/>
             <a:r>
-              <a:rPr lang="fr-FR" smtClean="0"/>
+              <a:rPr lang="fr-FR"/>
               <a:t>Quatrième niveau</a:t>
             </a:r>
           </a:p>
           <a:p>
             <a:pPr lvl="4"/>
             <a:r>
-              <a:rPr lang="fr-FR" smtClean="0"/>
+              <a:rPr lang="fr-FR"/>
               <a:t>Cinquième niveau</a:t>
             </a:r>
             <a:endParaRPr lang="en-US" dirty="0"/>
@@ -3055,7 +3056,7 @@
           <a:p>
             <a:fld id="{8D2FC4B8-7BFF-4E20-8B9D-0D25F3DE58C1}" type="datetimeFigureOut">
               <a:rPr lang="fr-FR" smtClean="0"/>
-              <a:t>22/06/2020</a:t>
+              <a:t>24/06/2020</a:t>
             </a:fld>
             <a:endParaRPr lang="fr-FR"/>
           </a:p>
@@ -3158,7 +3159,7 @@
           </a:lstStyle>
           <a:p>
             <a:r>
-              <a:rPr lang="fr-FR" smtClean="0"/>
+              <a:rPr lang="fr-FR"/>
               <a:t>Modifiez le style du titre</a:t>
             </a:r>
             <a:endParaRPr lang="en-US" dirty="0"/>
@@ -3187,35 +3188,35 @@
           <a:p>
             <a:pPr lvl="0"/>
             <a:r>
-              <a:rPr lang="fr-FR" smtClean="0"/>
+              <a:rPr lang="fr-FR"/>
               <a:t>Modifiez les styles du texte du masque</a:t>
             </a:r>
           </a:p>
           <a:p>
             <a:pPr lvl="1"/>
             <a:r>
-              <a:rPr lang="fr-FR" smtClean="0"/>
+              <a:rPr lang="fr-FR"/>
               <a:t>Deuxième niveau</a:t>
             </a:r>
           </a:p>
           <a:p>
             <a:pPr lvl="2"/>
             <a:r>
-              <a:rPr lang="fr-FR" smtClean="0"/>
+              <a:rPr lang="fr-FR"/>
               <a:t>Troisième niveau</a:t>
             </a:r>
           </a:p>
           <a:p>
             <a:pPr lvl="3"/>
             <a:r>
-              <a:rPr lang="fr-FR" smtClean="0"/>
+              <a:rPr lang="fr-FR"/>
               <a:t>Quatrième niveau</a:t>
             </a:r>
           </a:p>
           <a:p>
             <a:pPr lvl="4"/>
             <a:r>
-              <a:rPr lang="fr-FR" smtClean="0"/>
+              <a:rPr lang="fr-FR"/>
               <a:t>Cinquième niveau</a:t>
             </a:r>
             <a:endParaRPr lang="en-US" dirty="0"/>
@@ -3239,7 +3240,7 @@
           <a:p>
             <a:fld id="{8D2FC4B8-7BFF-4E20-8B9D-0D25F3DE58C1}" type="datetimeFigureOut">
               <a:rPr lang="fr-FR" smtClean="0"/>
-              <a:t>22/06/2020</a:t>
+              <a:t>24/06/2020</a:t>
             </a:fld>
             <a:endParaRPr lang="fr-FR"/>
           </a:p>
@@ -3333,7 +3334,7 @@
           <a:lstStyle/>
           <a:p>
             <a:r>
-              <a:rPr lang="fr-FR" smtClean="0"/>
+              <a:rPr lang="fr-FR"/>
               <a:t>Modifiez le style du titre</a:t>
             </a:r>
             <a:endParaRPr lang="en-US" dirty="0"/>
@@ -3357,35 +3358,35 @@
           <a:p>
             <a:pPr lvl="0"/>
             <a:r>
-              <a:rPr lang="fr-FR" smtClean="0"/>
+              <a:rPr lang="fr-FR"/>
               <a:t>Modifiez les styles du texte du masque</a:t>
             </a:r>
           </a:p>
           <a:p>
             <a:pPr lvl="1"/>
             <a:r>
-              <a:rPr lang="fr-FR" smtClean="0"/>
+              <a:rPr lang="fr-FR"/>
               <a:t>Deuxième niveau</a:t>
             </a:r>
           </a:p>
           <a:p>
             <a:pPr lvl="2"/>
             <a:r>
-              <a:rPr lang="fr-FR" smtClean="0"/>
+              <a:rPr lang="fr-FR"/>
               <a:t>Troisième niveau</a:t>
             </a:r>
           </a:p>
           <a:p>
             <a:pPr lvl="3"/>
             <a:r>
-              <a:rPr lang="fr-FR" smtClean="0"/>
+              <a:rPr lang="fr-FR"/>
               <a:t>Quatrième niveau</a:t>
             </a:r>
           </a:p>
           <a:p>
             <a:pPr lvl="4"/>
             <a:r>
-              <a:rPr lang="fr-FR" smtClean="0"/>
+              <a:rPr lang="fr-FR"/>
               <a:t>Cinquième niveau</a:t>
             </a:r>
             <a:endParaRPr lang="en-US" dirty="0"/>
@@ -3409,7 +3410,7 @@
           <a:p>
             <a:fld id="{8D2FC4B8-7BFF-4E20-8B9D-0D25F3DE58C1}" type="datetimeFigureOut">
               <a:rPr lang="fr-FR" smtClean="0"/>
-              <a:t>22/06/2020</a:t>
+              <a:t>24/06/2020</a:t>
             </a:fld>
             <a:endParaRPr lang="fr-FR"/>
           </a:p>
@@ -3512,7 +3513,7 @@
           </a:lstStyle>
           <a:p>
             <a:r>
-              <a:rPr lang="fr-FR" smtClean="0"/>
+              <a:rPr lang="fr-FR"/>
               <a:t>Modifiez le style du titre</a:t>
             </a:r>
             <a:endParaRPr lang="en-US" dirty="0"/>
@@ -3630,7 +3631,7 @@
           <a:p>
             <a:pPr lvl="0"/>
             <a:r>
-              <a:rPr lang="fr-FR" smtClean="0"/>
+              <a:rPr lang="fr-FR"/>
               <a:t>Modifiez les styles du texte du masque</a:t>
             </a:r>
           </a:p>
@@ -3653,7 +3654,7 @@
           <a:p>
             <a:fld id="{8D2FC4B8-7BFF-4E20-8B9D-0D25F3DE58C1}" type="datetimeFigureOut">
               <a:rPr lang="fr-FR" smtClean="0"/>
-              <a:t>22/06/2020</a:t>
+              <a:t>24/06/2020</a:t>
             </a:fld>
             <a:endParaRPr lang="fr-FR"/>
           </a:p>
@@ -3747,7 +3748,7 @@
           <a:lstStyle/>
           <a:p>
             <a:r>
-              <a:rPr lang="fr-FR" smtClean="0"/>
+              <a:rPr lang="fr-FR"/>
               <a:t>Modifiez le style du titre</a:t>
             </a:r>
             <a:endParaRPr lang="en-US" dirty="0"/>
@@ -3778,35 +3779,35 @@
           <a:p>
             <a:pPr lvl="0"/>
             <a:r>
-              <a:rPr lang="fr-FR" smtClean="0"/>
+              <a:rPr lang="fr-FR"/>
               <a:t>Modifiez les styles du texte du masque</a:t>
             </a:r>
           </a:p>
           <a:p>
             <a:pPr lvl="1"/>
             <a:r>
-              <a:rPr lang="fr-FR" smtClean="0"/>
+              <a:rPr lang="fr-FR"/>
               <a:t>Deuxième niveau</a:t>
             </a:r>
           </a:p>
           <a:p>
             <a:pPr lvl="2"/>
             <a:r>
-              <a:rPr lang="fr-FR" smtClean="0"/>
+              <a:rPr lang="fr-FR"/>
               <a:t>Troisième niveau</a:t>
             </a:r>
           </a:p>
           <a:p>
             <a:pPr lvl="3"/>
             <a:r>
-              <a:rPr lang="fr-FR" smtClean="0"/>
+              <a:rPr lang="fr-FR"/>
               <a:t>Quatrième niveau</a:t>
             </a:r>
           </a:p>
           <a:p>
             <a:pPr lvl="4"/>
             <a:r>
-              <a:rPr lang="fr-FR" smtClean="0"/>
+              <a:rPr lang="fr-FR"/>
               <a:t>Cinquième niveau</a:t>
             </a:r>
             <a:endParaRPr lang="en-US" dirty="0"/>
@@ -3837,35 +3838,35 @@
           <a:p>
             <a:pPr lvl="0"/>
             <a:r>
-              <a:rPr lang="fr-FR" smtClean="0"/>
+              <a:rPr lang="fr-FR"/>
               <a:t>Modifiez les styles du texte du masque</a:t>
             </a:r>
           </a:p>
           <a:p>
             <a:pPr lvl="1"/>
             <a:r>
-              <a:rPr lang="fr-FR" smtClean="0"/>
+              <a:rPr lang="fr-FR"/>
               <a:t>Deuxième niveau</a:t>
             </a:r>
           </a:p>
           <a:p>
             <a:pPr lvl="2"/>
             <a:r>
-              <a:rPr lang="fr-FR" smtClean="0"/>
+              <a:rPr lang="fr-FR"/>
               <a:t>Troisième niveau</a:t>
             </a:r>
           </a:p>
           <a:p>
             <a:pPr lvl="3"/>
             <a:r>
-              <a:rPr lang="fr-FR" smtClean="0"/>
+              <a:rPr lang="fr-FR"/>
               <a:t>Quatrième niveau</a:t>
             </a:r>
           </a:p>
           <a:p>
             <a:pPr lvl="4"/>
             <a:r>
-              <a:rPr lang="fr-FR" smtClean="0"/>
+              <a:rPr lang="fr-FR"/>
               <a:t>Cinquième niveau</a:t>
             </a:r>
             <a:endParaRPr lang="en-US" dirty="0"/>
@@ -3889,7 +3890,7 @@
           <a:p>
             <a:fld id="{8D2FC4B8-7BFF-4E20-8B9D-0D25F3DE58C1}" type="datetimeFigureOut">
               <a:rPr lang="fr-FR" smtClean="0"/>
-              <a:t>22/06/2020</a:t>
+              <a:t>24/06/2020</a:t>
             </a:fld>
             <a:endParaRPr lang="fr-FR"/>
           </a:p>
@@ -4047,7 +4048,7 @@
           </a:lstStyle>
           <a:p>
             <a:r>
-              <a:rPr lang="fr-FR" smtClean="0"/>
+              <a:rPr lang="fr-FR"/>
               <a:t>Modifiez le style du titre</a:t>
             </a:r>
             <a:endParaRPr lang="en-US" dirty="0"/>
@@ -4115,7 +4116,7 @@
           <a:p>
             <a:pPr lvl="0"/>
             <a:r>
-              <a:rPr lang="fr-FR" smtClean="0"/>
+              <a:rPr lang="fr-FR"/>
               <a:t>Modifiez les styles du texte du masque</a:t>
             </a:r>
           </a:p>
@@ -4161,35 +4162,35 @@
           <a:p>
             <a:pPr lvl="0"/>
             <a:r>
-              <a:rPr lang="fr-FR" smtClean="0"/>
+              <a:rPr lang="fr-FR"/>
               <a:t>Modifiez les styles du texte du masque</a:t>
             </a:r>
           </a:p>
           <a:p>
             <a:pPr lvl="1"/>
             <a:r>
-              <a:rPr lang="fr-FR" smtClean="0"/>
+              <a:rPr lang="fr-FR"/>
               <a:t>Deuxième niveau</a:t>
             </a:r>
           </a:p>
           <a:p>
             <a:pPr lvl="2"/>
             <a:r>
-              <a:rPr lang="fr-FR" smtClean="0"/>
+              <a:rPr lang="fr-FR"/>
               <a:t>Troisième niveau</a:t>
             </a:r>
           </a:p>
           <a:p>
             <a:pPr lvl="3"/>
             <a:r>
-              <a:rPr lang="fr-FR" smtClean="0"/>
+              <a:rPr lang="fr-FR"/>
               <a:t>Quatrième niveau</a:t>
             </a:r>
           </a:p>
           <a:p>
             <a:pPr lvl="4"/>
             <a:r>
-              <a:rPr lang="fr-FR" smtClean="0"/>
+              <a:rPr lang="fr-FR"/>
               <a:t>Cinquième niveau</a:t>
             </a:r>
             <a:endParaRPr lang="en-US" dirty="0"/>
@@ -4257,7 +4258,7 @@
           <a:p>
             <a:pPr lvl="0"/>
             <a:r>
-              <a:rPr lang="fr-FR" smtClean="0"/>
+              <a:rPr lang="fr-FR"/>
               <a:t>Modifiez les styles du texte du masque</a:t>
             </a:r>
           </a:p>
@@ -4303,35 +4304,35 @@
           <a:p>
             <a:pPr lvl="0"/>
             <a:r>
-              <a:rPr lang="fr-FR" smtClean="0"/>
+              <a:rPr lang="fr-FR"/>
               <a:t>Modifiez les styles du texte du masque</a:t>
             </a:r>
           </a:p>
           <a:p>
             <a:pPr lvl="1"/>
             <a:r>
-              <a:rPr lang="fr-FR" smtClean="0"/>
+              <a:rPr lang="fr-FR"/>
               <a:t>Deuxième niveau</a:t>
             </a:r>
           </a:p>
           <a:p>
             <a:pPr lvl="2"/>
             <a:r>
-              <a:rPr lang="fr-FR" smtClean="0"/>
+              <a:rPr lang="fr-FR"/>
               <a:t>Troisième niveau</a:t>
             </a:r>
           </a:p>
           <a:p>
             <a:pPr lvl="3"/>
             <a:r>
-              <a:rPr lang="fr-FR" smtClean="0"/>
+              <a:rPr lang="fr-FR"/>
               <a:t>Quatrième niveau</a:t>
             </a:r>
           </a:p>
           <a:p>
             <a:pPr lvl="4"/>
             <a:r>
-              <a:rPr lang="fr-FR" smtClean="0"/>
+              <a:rPr lang="fr-FR"/>
               <a:t>Cinquième niveau</a:t>
             </a:r>
             <a:endParaRPr lang="en-US" dirty="0"/>
@@ -4355,7 +4356,7 @@
           <a:p>
             <a:fld id="{8D2FC4B8-7BFF-4E20-8B9D-0D25F3DE58C1}" type="datetimeFigureOut">
               <a:rPr lang="fr-FR" smtClean="0"/>
-              <a:t>22/06/2020</a:t>
+              <a:t>24/06/2020</a:t>
             </a:fld>
             <a:endParaRPr lang="fr-FR"/>
           </a:p>
@@ -4449,7 +4450,7 @@
           <a:lstStyle/>
           <a:p>
             <a:r>
-              <a:rPr lang="fr-FR" smtClean="0"/>
+              <a:rPr lang="fr-FR"/>
               <a:t>Modifiez le style du titre</a:t>
             </a:r>
             <a:endParaRPr lang="en-US" dirty="0"/>
@@ -4473,7 +4474,7 @@
           <a:p>
             <a:fld id="{8D2FC4B8-7BFF-4E20-8B9D-0D25F3DE58C1}" type="datetimeFigureOut">
               <a:rPr lang="fr-FR" smtClean="0"/>
-              <a:t>22/06/2020</a:t>
+              <a:t>24/06/2020</a:t>
             </a:fld>
             <a:endParaRPr lang="fr-FR"/>
           </a:p>
@@ -4568,7 +4569,7 @@
           <a:p>
             <a:fld id="{8D2FC4B8-7BFF-4E20-8B9D-0D25F3DE58C1}" type="datetimeFigureOut">
               <a:rPr lang="fr-FR" smtClean="0"/>
-              <a:t>22/06/2020</a:t>
+              <a:t>24/06/2020</a:t>
             </a:fld>
             <a:endParaRPr lang="fr-FR"/>
           </a:p>
@@ -4673,7 +4674,7 @@
           </a:lstStyle>
           <a:p>
             <a:r>
-              <a:rPr lang="fr-FR" smtClean="0"/>
+              <a:rPr lang="fr-FR"/>
               <a:t>Modifiez le style du titre</a:t>
             </a:r>
             <a:endParaRPr lang="en-US" dirty="0"/>
@@ -4704,35 +4705,35 @@
           <a:p>
             <a:pPr lvl="0"/>
             <a:r>
-              <a:rPr lang="fr-FR" smtClean="0"/>
+              <a:rPr lang="fr-FR"/>
               <a:t>Modifiez les styles du texte du masque</a:t>
             </a:r>
           </a:p>
           <a:p>
             <a:pPr lvl="1"/>
             <a:r>
-              <a:rPr lang="fr-FR" smtClean="0"/>
+              <a:rPr lang="fr-FR"/>
               <a:t>Deuxième niveau</a:t>
             </a:r>
           </a:p>
           <a:p>
             <a:pPr lvl="2"/>
             <a:r>
-              <a:rPr lang="fr-FR" smtClean="0"/>
+              <a:rPr lang="fr-FR"/>
               <a:t>Troisième niveau</a:t>
             </a:r>
           </a:p>
           <a:p>
             <a:pPr lvl="3"/>
             <a:r>
-              <a:rPr lang="fr-FR" smtClean="0"/>
+              <a:rPr lang="fr-FR"/>
               <a:t>Quatrième niveau</a:t>
             </a:r>
           </a:p>
           <a:p>
             <a:pPr lvl="4"/>
             <a:r>
-              <a:rPr lang="fr-FR" smtClean="0"/>
+              <a:rPr lang="fr-FR"/>
               <a:t>Cinquième niveau</a:t>
             </a:r>
             <a:endParaRPr lang="en-US" dirty="0"/>
@@ -4800,7 +4801,7 @@
           <a:p>
             <a:pPr lvl="0"/>
             <a:r>
-              <a:rPr lang="fr-FR" smtClean="0"/>
+              <a:rPr lang="fr-FR"/>
               <a:t>Modifiez les styles du texte du masque</a:t>
             </a:r>
           </a:p>
@@ -4823,7 +4824,7 @@
           <a:p>
             <a:fld id="{8D2FC4B8-7BFF-4E20-8B9D-0D25F3DE58C1}" type="datetimeFigureOut">
               <a:rPr lang="fr-FR" smtClean="0"/>
-              <a:t>22/06/2020</a:t>
+              <a:t>24/06/2020</a:t>
             </a:fld>
             <a:endParaRPr lang="fr-FR"/>
           </a:p>
@@ -4958,7 +4959,7 @@
           </a:lstStyle>
           <a:p>
             <a:r>
-              <a:rPr lang="fr-FR" smtClean="0"/>
+              <a:rPr lang="fr-FR"/>
               <a:t>Modifiez le style du titre</a:t>
             </a:r>
             <a:endParaRPr lang="en-US" dirty="0"/>
@@ -5032,7 +5033,7 @@
           </a:lstStyle>
           <a:p>
             <a:r>
-              <a:rPr lang="fr-FR" smtClean="0"/>
+              <a:rPr lang="fr-FR"/>
               <a:t>Cliquez sur l'icône pour ajouter une image</a:t>
             </a:r>
             <a:endParaRPr lang="en-US" dirty="0"/>
@@ -5100,7 +5101,7 @@
           <a:p>
             <a:pPr lvl="0"/>
             <a:r>
-              <a:rPr lang="fr-FR" smtClean="0"/>
+              <a:rPr lang="fr-FR"/>
               <a:t>Modifiez les styles du texte du masque</a:t>
             </a:r>
           </a:p>
@@ -5123,7 +5124,7 @@
           <a:p>
             <a:fld id="{8D2FC4B8-7BFF-4E20-8B9D-0D25F3DE58C1}" type="datetimeFigureOut">
               <a:rPr lang="fr-FR" smtClean="0"/>
-              <a:t>22/06/2020</a:t>
+              <a:t>24/06/2020</a:t>
             </a:fld>
             <a:endParaRPr lang="fr-FR"/>
           </a:p>
@@ -5239,7 +5240,7 @@
           <a:lstStyle/>
           <a:p>
             <a:r>
-              <a:rPr lang="fr-FR" smtClean="0"/>
+              <a:rPr lang="fr-FR"/>
               <a:t>Modifiez le style du titre</a:t>
             </a:r>
             <a:endParaRPr lang="en-US" dirty="0"/>
@@ -5280,35 +5281,35 @@
           <a:p>
             <a:pPr lvl="0"/>
             <a:r>
-              <a:rPr lang="fr-FR" smtClean="0"/>
+              <a:rPr lang="fr-FR"/>
               <a:t>Modifiez les styles du texte du masque</a:t>
             </a:r>
           </a:p>
           <a:p>
             <a:pPr lvl="1"/>
             <a:r>
-              <a:rPr lang="fr-FR" smtClean="0"/>
+              <a:rPr lang="fr-FR"/>
               <a:t>Deuxième niveau</a:t>
             </a:r>
           </a:p>
           <a:p>
             <a:pPr lvl="2"/>
             <a:r>
-              <a:rPr lang="fr-FR" smtClean="0"/>
+              <a:rPr lang="fr-FR"/>
               <a:t>Troisième niveau</a:t>
             </a:r>
           </a:p>
           <a:p>
             <a:pPr lvl="3"/>
             <a:r>
-              <a:rPr lang="fr-FR" smtClean="0"/>
+              <a:rPr lang="fr-FR"/>
               <a:t>Quatrième niveau</a:t>
             </a:r>
           </a:p>
           <a:p>
             <a:pPr lvl="4"/>
             <a:r>
-              <a:rPr lang="fr-FR" smtClean="0"/>
+              <a:rPr lang="fr-FR"/>
               <a:t>Cinquième niveau</a:t>
             </a:r>
             <a:endParaRPr lang="en-US" dirty="0"/>
@@ -5357,7 +5358,7 @@
           <a:p>
             <a:fld id="{8D2FC4B8-7BFF-4E20-8B9D-0D25F3DE58C1}" type="datetimeFigureOut">
               <a:rPr lang="fr-FR" smtClean="0"/>
-              <a:t>22/06/2020</a:t>
+              <a:t>24/06/2020</a:t>
             </a:fld>
             <a:endParaRPr lang="fr-FR"/>
           </a:p>
@@ -6073,10 +6074,6 @@
               <a:rPr lang="en-US" sz="6000" b="1" u="sng" dirty="0"/>
               <a:t>Aquarium Monitoring System: HCFF</a:t>
             </a:r>
-            <a:r>
-              <a:rPr lang="en-US" sz="3200" dirty="0"/>
-              <a:t/>
-            </a:r>
             <a:br>
               <a:rPr lang="en-US" sz="3200" dirty="0"/>
             </a:br>
@@ -6107,7 +6104,7 @@
           <a:lstStyle/>
           <a:p>
             <a:r>
-              <a:rPr lang="fr-FR" sz="2400" i="1" dirty="0" smtClean="0">
+              <a:rPr lang="fr-FR" sz="2400" i="1" dirty="0">
                 <a:solidFill>
                   <a:srgbClr val="FF0000"/>
                 </a:solidFill>
@@ -6115,7 +6112,7 @@
               <a:t>Julien Rose, Achille Bayart, Nicolas </a:t>
             </a:r>
             <a:r>
-              <a:rPr lang="fr-FR" sz="2400" i="1" dirty="0" err="1" smtClean="0">
+              <a:rPr lang="fr-FR" sz="2400" i="1" dirty="0" err="1">
                 <a:solidFill>
                   <a:srgbClr val="FF0000"/>
                 </a:solidFill>
@@ -6153,18 +6150,13 @@
           <a:lstStyle/>
           <a:p>
             <a:r>
-              <a:rPr lang="fr-FR" u="sng" dirty="0" smtClean="0">
+              <a:rPr lang="fr-FR" u="sng" dirty="0">
                 <a:solidFill>
                   <a:srgbClr val="92D050"/>
                 </a:solidFill>
               </a:rPr>
               <a:t>Mettre futur logo</a:t>
             </a:r>
-            <a:endParaRPr lang="fr-FR" u="sng" dirty="0">
-              <a:solidFill>
-                <a:srgbClr val="92D050"/>
-              </a:solidFill>
-            </a:endParaRPr>
           </a:p>
         </p:txBody>
       </p:sp>
@@ -6178,13 +6170,6 @@
   <p:clrMapOvr>
     <a:masterClrMapping/>
   </p:clrMapOvr>
-  <p:timing>
-    <p:tnLst>
-      <p:par>
-        <p:cTn id="1" dur="indefinite" restart="never" nodeType="tmRoot"/>
-      </p:par>
-    </p:tnLst>
-  </p:timing>
 </p:sld>
 </file>
 
@@ -6217,13 +6202,11 @@
         </p:nvSpPr>
         <p:spPr/>
         <p:txBody>
-          <a:bodyPr>
-            <a:normAutofit fontScale="90000"/>
-          </a:bodyPr>
-          <a:lstStyle/>
-          <a:p>
-            <a:r>
-              <a:rPr lang="fr-FR" b="1" u="sng" dirty="0" err="1" smtClean="0">
+          <a:bodyPr/>
+          <a:lstStyle/>
+          <a:p>
+            <a:r>
+              <a:rPr lang="fr-FR" b="1" u="sng" dirty="0" err="1">
                 <a:solidFill>
                   <a:schemeClr val="tx1"/>
                 </a:solidFill>
@@ -6231,7 +6214,7 @@
               <a:t>Completed</a:t>
             </a:r>
             <a:r>
-              <a:rPr lang="fr-FR" b="1" u="sng" dirty="0" smtClean="0">
+              <a:rPr lang="fr-FR" b="1" u="sng" dirty="0">
                 <a:solidFill>
                   <a:schemeClr val="tx1"/>
                 </a:solidFill>
@@ -6239,7 +6222,7 @@
               <a:t> </a:t>
             </a:r>
             <a:r>
-              <a:rPr lang="fr-FR" b="1" u="sng" dirty="0" err="1" smtClean="0">
+              <a:rPr lang="fr-FR" b="1" u="sng" dirty="0" err="1">
                 <a:solidFill>
                   <a:schemeClr val="tx1"/>
                 </a:solidFill>
@@ -6247,88 +6230,55 @@
               <a:t>work</a:t>
             </a:r>
             <a:r>
-              <a:rPr lang="fr-FR" b="1" u="sng" dirty="0" smtClean="0">
+              <a:rPr lang="fr-FR" b="1" u="sng" dirty="0">
                 <a:solidFill>
                   <a:schemeClr val="tx1"/>
                 </a:solidFill>
               </a:rPr>
-              <a:t> - Data collection and </a:t>
-            </a:r>
-            <a:r>
-              <a:rPr lang="fr-FR" b="1" u="sng" dirty="0" err="1" smtClean="0">
+              <a:t> - Android App</a:t>
+            </a:r>
+          </a:p>
+        </p:txBody>
+      </p:sp>
+      <p:sp>
+        <p:nvSpPr>
+          <p:cNvPr id="3" name="Espace réservé du contenu 2"/>
+          <p:cNvSpPr>
+            <a:spLocks noGrp="1"/>
+          </p:cNvSpPr>
+          <p:nvPr>
+            <p:ph idx="1"/>
+          </p:nvPr>
+        </p:nvSpPr>
+        <p:spPr/>
+        <p:txBody>
+          <a:bodyPr/>
+          <a:lstStyle/>
+          <a:p>
+            <a:pPr marL="0" indent="0">
+              <a:buNone/>
+            </a:pPr>
+            <a:r>
+              <a:rPr lang="fr-FR" dirty="0">
                 <a:solidFill>
                   <a:schemeClr val="tx1"/>
                 </a:solidFill>
               </a:rPr>
-              <a:t>linking</a:t>
-            </a:r>
-            <a:endParaRPr lang="fr-FR" b="1" u="sng" dirty="0">
-              <a:solidFill>
-                <a:schemeClr val="tx1"/>
-              </a:solidFill>
-            </a:endParaRPr>
-          </a:p>
-        </p:txBody>
-      </p:sp>
-      <p:sp>
-        <p:nvSpPr>
-          <p:cNvPr id="3" name="Espace réservé du contenu 2"/>
-          <p:cNvSpPr>
-            <a:spLocks noGrp="1"/>
-          </p:cNvSpPr>
-          <p:nvPr>
-            <p:ph idx="1"/>
-          </p:nvPr>
-        </p:nvSpPr>
-        <p:spPr/>
-        <p:txBody>
-          <a:bodyPr/>
-          <a:lstStyle/>
-          <a:p>
-            <a:pPr marL="0" indent="0">
-              <a:buNone/>
-            </a:pPr>
-            <a:r>
-              <a:rPr lang="fr-FR" dirty="0" err="1" smtClean="0">
-                <a:solidFill>
-                  <a:schemeClr val="tx1"/>
-                </a:solidFill>
-              </a:rPr>
-              <a:t>Rest</a:t>
-            </a:r>
-            <a:r>
-              <a:rPr lang="fr-FR" dirty="0" smtClean="0">
-                <a:solidFill>
-                  <a:schemeClr val="tx1"/>
-                </a:solidFill>
-              </a:rPr>
-              <a:t> Client</a:t>
-            </a:r>
-            <a:endParaRPr lang="fr-FR" dirty="0">
-              <a:solidFill>
-                <a:schemeClr val="tx1"/>
-              </a:solidFill>
-            </a:endParaRPr>
+              <a:t>Android Studio</a:t>
+            </a:r>
           </a:p>
         </p:txBody>
       </p:sp>
     </p:spTree>
     <p:extLst>
       <p:ext uri="{BB962C8B-B14F-4D97-AF65-F5344CB8AC3E}">
-        <p14:creationId xmlns:p14="http://schemas.microsoft.com/office/powerpoint/2010/main" val="2807269850"/>
+        <p14:creationId xmlns:p14="http://schemas.microsoft.com/office/powerpoint/2010/main" val="1810243244"/>
       </p:ext>
     </p:extLst>
   </p:cSld>
   <p:clrMapOvr>
     <a:masterClrMapping/>
   </p:clrMapOvr>
-  <p:timing>
-    <p:tnLst>
-      <p:par>
-        <p:cTn id="1" dur="indefinite" restart="never" nodeType="tmRoot"/>
-      </p:par>
-    </p:tnLst>
-  </p:timing>
 </p:sld>
 </file>
 
@@ -6361,16 +6311,50 @@
         </p:nvSpPr>
         <p:spPr/>
         <p:txBody>
-          <a:bodyPr/>
-          <a:lstStyle/>
-          <a:p>
-            <a:r>
-              <a:rPr lang="en-US" b="1" u="sng" dirty="0">
+          <a:bodyPr>
+            <a:normAutofit fontScale="90000"/>
+          </a:bodyPr>
+          <a:lstStyle/>
+          <a:p>
+            <a:r>
+              <a:rPr lang="fr-FR" b="1" u="sng" dirty="0" err="1">
                 <a:solidFill>
                   <a:schemeClr val="tx1"/>
                 </a:solidFill>
               </a:rPr>
-              <a:t>Project perspective</a:t>
+              <a:t>Completed</a:t>
+            </a:r>
+            <a:r>
+              <a:rPr lang="fr-FR" b="1" u="sng" dirty="0">
+                <a:solidFill>
+                  <a:schemeClr val="tx1"/>
+                </a:solidFill>
+              </a:rPr>
+              <a:t> </a:t>
+            </a:r>
+            <a:r>
+              <a:rPr lang="fr-FR" b="1" u="sng" dirty="0" err="1">
+                <a:solidFill>
+                  <a:schemeClr val="tx1"/>
+                </a:solidFill>
+              </a:rPr>
+              <a:t>work</a:t>
+            </a:r>
+            <a:r>
+              <a:rPr lang="fr-FR" b="1" u="sng" dirty="0">
+                <a:solidFill>
+                  <a:schemeClr val="tx1"/>
+                </a:solidFill>
+              </a:rPr>
+              <a:t> - Data collection and </a:t>
+            </a:r>
+            <a:r>
+              <a:rPr lang="fr-FR" b="1" u="sng" dirty="0" err="1">
+                <a:solidFill>
+                  <a:schemeClr val="tx1"/>
+                </a:solidFill>
+              </a:rPr>
+              <a:t>linking</a:t>
             </a:r>
             <a:endParaRPr lang="fr-FR" b="1" u="sng" dirty="0">
               <a:solidFill>
@@ -6395,87 +6379,38 @@
           <a:bodyPr/>
           <a:lstStyle/>
           <a:p>
-            <a:pPr>
-              <a:buFontTx/>
-              <a:buChar char="-"/>
+            <a:pPr marL="0" indent="0">
+              <a:buNone/>
             </a:pPr>
             <a:r>
-              <a:rPr lang="fr-FR" dirty="0" err="1" smtClean="0">
+              <a:rPr lang="fr-FR" dirty="0" err="1">
                 <a:solidFill>
                   <a:schemeClr val="tx1"/>
                 </a:solidFill>
               </a:rPr>
-              <a:t>Planned</a:t>
-            </a:r>
-            <a:r>
-              <a:rPr lang="fr-FR" dirty="0" smtClean="0">
+              <a:t>Rest</a:t>
+            </a:r>
+            <a:r>
+              <a:rPr lang="fr-FR" dirty="0">
                 <a:solidFill>
                   <a:schemeClr val="tx1"/>
                 </a:solidFill>
               </a:rPr>
-              <a:t> additions</a:t>
-            </a:r>
-          </a:p>
-          <a:p>
-            <a:pPr>
-              <a:buFontTx/>
-              <a:buChar char="-"/>
-            </a:pPr>
-            <a:endParaRPr lang="fr-FR" dirty="0">
-              <a:solidFill>
-                <a:schemeClr val="bg1"/>
-              </a:solidFill>
-            </a:endParaRPr>
-          </a:p>
-          <a:p>
-            <a:pPr>
-              <a:buFontTx/>
-              <a:buChar char="-"/>
-            </a:pPr>
-            <a:endParaRPr lang="fr-FR" dirty="0" smtClean="0">
-              <a:solidFill>
-                <a:schemeClr val="bg1"/>
-              </a:solidFill>
-            </a:endParaRPr>
-          </a:p>
-          <a:p>
-            <a:pPr>
-              <a:buFontTx/>
-              <a:buChar char="-"/>
-            </a:pPr>
-            <a:r>
-              <a:rPr lang="fr-FR" dirty="0" smtClean="0">
-                <a:solidFill>
-                  <a:schemeClr val="tx1"/>
-                </a:solidFill>
-              </a:rPr>
-              <a:t>Challenges</a:t>
-            </a:r>
-            <a:endParaRPr lang="fr-FR" dirty="0">
-              <a:solidFill>
-                <a:schemeClr val="tx1"/>
-              </a:solidFill>
-            </a:endParaRPr>
+              <a:t> Client</a:t>
+            </a:r>
           </a:p>
         </p:txBody>
       </p:sp>
     </p:spTree>
     <p:extLst>
       <p:ext uri="{BB962C8B-B14F-4D97-AF65-F5344CB8AC3E}">
-        <p14:creationId xmlns:p14="http://schemas.microsoft.com/office/powerpoint/2010/main" val="498986160"/>
+        <p14:creationId xmlns:p14="http://schemas.microsoft.com/office/powerpoint/2010/main" val="2807269850"/>
       </p:ext>
     </p:extLst>
   </p:cSld>
   <p:clrMapOvr>
     <a:masterClrMapping/>
   </p:clrMapOvr>
-  <p:timing>
-    <p:tnLst>
-      <p:par>
-        <p:cTn id="1" dur="indefinite" restart="never" nodeType="tmRoot"/>
-      </p:par>
-    </p:tnLst>
-  </p:timing>
 </p:sld>
 </file>
 
@@ -6512,12 +6447,12 @@
           <a:lstStyle/>
           <a:p>
             <a:r>
-              <a:rPr lang="fr-FR" b="1" u="sng" dirty="0" smtClean="0">
+              <a:rPr lang="en-US" b="1" u="sng" dirty="0">
                 <a:solidFill>
                   <a:schemeClr val="tx1"/>
                 </a:solidFill>
               </a:rPr>
-              <a:t>Conclusion</a:t>
+              <a:t>Project perspective</a:t>
             </a:r>
             <a:endParaRPr lang="fr-FR" b="1" u="sng" dirty="0">
               <a:solidFill>
@@ -6542,27 +6477,75 @@
           <a:bodyPr/>
           <a:lstStyle/>
           <a:p>
-            <a:endParaRPr lang="fr-FR" dirty="0"/>
+            <a:pPr>
+              <a:buFontTx/>
+              <a:buChar char="-"/>
+            </a:pPr>
+            <a:r>
+              <a:rPr lang="fr-FR" dirty="0" err="1">
+                <a:solidFill>
+                  <a:schemeClr val="tx1"/>
+                </a:solidFill>
+              </a:rPr>
+              <a:t>Planned</a:t>
+            </a:r>
+            <a:r>
+              <a:rPr lang="fr-FR" dirty="0">
+                <a:solidFill>
+                  <a:schemeClr val="tx1"/>
+                </a:solidFill>
+              </a:rPr>
+              <a:t> additions</a:t>
+            </a:r>
+          </a:p>
+          <a:p>
+            <a:pPr>
+              <a:buFontTx/>
+              <a:buChar char="-"/>
+            </a:pPr>
+            <a:endParaRPr lang="fr-FR" dirty="0">
+              <a:solidFill>
+                <a:schemeClr val="bg1"/>
+              </a:solidFill>
+            </a:endParaRPr>
+          </a:p>
+          <a:p>
+            <a:pPr>
+              <a:buFontTx/>
+              <a:buChar char="-"/>
+            </a:pPr>
+            <a:endParaRPr lang="fr-FR" dirty="0">
+              <a:solidFill>
+                <a:schemeClr val="bg1"/>
+              </a:solidFill>
+            </a:endParaRPr>
+          </a:p>
+          <a:p>
+            <a:pPr>
+              <a:buFontTx/>
+              <a:buChar char="-"/>
+            </a:pPr>
+            <a:r>
+              <a:rPr lang="fr-FR" dirty="0">
+                <a:solidFill>
+                  <a:schemeClr val="tx1"/>
+                </a:solidFill>
+              </a:rPr>
+              <a:t>Challenges</a:t>
+            </a:r>
           </a:p>
         </p:txBody>
       </p:sp>
     </p:spTree>
     <p:extLst>
       <p:ext uri="{BB962C8B-B14F-4D97-AF65-F5344CB8AC3E}">
-        <p14:creationId xmlns:p14="http://schemas.microsoft.com/office/powerpoint/2010/main" val="4024716187"/>
+        <p14:creationId xmlns:p14="http://schemas.microsoft.com/office/powerpoint/2010/main" val="498986160"/>
       </p:ext>
     </p:extLst>
   </p:cSld>
   <p:clrMapOvr>
     <a:masterClrMapping/>
   </p:clrMapOvr>
-  <p:timing>
-    <p:tnLst>
-      <p:par>
-        <p:cTn id="1" dur="indefinite" restart="never" nodeType="tmRoot"/>
-      </p:par>
-    </p:tnLst>
-  </p:timing>
 </p:sld>
 </file>
 
@@ -6593,6 +6576,81 @@
             <p:ph type="title"/>
           </p:nvPr>
         </p:nvSpPr>
+        <p:spPr/>
+        <p:txBody>
+          <a:bodyPr/>
+          <a:lstStyle/>
+          <a:p>
+            <a:r>
+              <a:rPr lang="fr-FR" b="1" u="sng" dirty="0">
+                <a:solidFill>
+                  <a:schemeClr val="tx1"/>
+                </a:solidFill>
+              </a:rPr>
+              <a:t>Conclusion</a:t>
+            </a:r>
+          </a:p>
+        </p:txBody>
+      </p:sp>
+      <p:sp>
+        <p:nvSpPr>
+          <p:cNvPr id="3" name="Espace réservé du contenu 2"/>
+          <p:cNvSpPr>
+            <a:spLocks noGrp="1"/>
+          </p:cNvSpPr>
+          <p:nvPr>
+            <p:ph idx="1"/>
+          </p:nvPr>
+        </p:nvSpPr>
+        <p:spPr/>
+        <p:txBody>
+          <a:bodyPr/>
+          <a:lstStyle/>
+          <a:p>
+            <a:endParaRPr lang="fr-FR" dirty="0"/>
+          </a:p>
+        </p:txBody>
+      </p:sp>
+    </p:spTree>
+    <p:extLst>
+      <p:ext uri="{BB962C8B-B14F-4D97-AF65-F5344CB8AC3E}">
+        <p14:creationId xmlns:p14="http://schemas.microsoft.com/office/powerpoint/2010/main" val="4024716187"/>
+      </p:ext>
+    </p:extLst>
+  </p:cSld>
+  <p:clrMapOvr>
+    <a:masterClrMapping/>
+  </p:clrMapOvr>
+</p:sld>
+</file>
+
+<file path=ppt/slides/slide14.xml><?xml version="1.0" encoding="utf-8"?>
+<p:sld xmlns:a="http://schemas.openxmlformats.org/drawingml/2006/main" xmlns:r="http://schemas.openxmlformats.org/officeDocument/2006/relationships" xmlns:p="http://schemas.openxmlformats.org/presentationml/2006/main">
+  <p:cSld>
+    <p:spTree>
+      <p:nvGrpSpPr>
+        <p:cNvPr id="1" name=""/>
+        <p:cNvGrpSpPr/>
+        <p:nvPr/>
+      </p:nvGrpSpPr>
+      <p:grpSpPr>
+        <a:xfrm>
+          <a:off x="0" y="0"/>
+          <a:ext cx="0" cy="0"/>
+          <a:chOff x="0" y="0"/>
+          <a:chExt cx="0" cy="0"/>
+        </a:xfrm>
+      </p:grpSpPr>
+      <p:sp>
+        <p:nvSpPr>
+          <p:cNvPr id="2" name="Titre 1"/>
+          <p:cNvSpPr>
+            <a:spLocks noGrp="1"/>
+          </p:cNvSpPr>
+          <p:nvPr>
+            <p:ph type="title"/>
+          </p:nvPr>
+        </p:nvSpPr>
         <p:spPr>
           <a:xfrm>
             <a:off x="913794" y="182880"/>
@@ -6604,22 +6662,21 @@
           <a:lstStyle/>
           <a:p>
             <a:r>
-              <a:rPr lang="fr-FR" dirty="0" err="1" smtClean="0"/>
+              <a:rPr lang="fr-FR" dirty="0" err="1"/>
               <a:t>Thanks</a:t>
             </a:r>
             <a:r>
-              <a:rPr lang="fr-FR" dirty="0" smtClean="0"/>
+              <a:rPr lang="fr-FR" dirty="0"/>
               <a:t> for </a:t>
             </a:r>
             <a:r>
-              <a:rPr lang="fr-FR" dirty="0" err="1" smtClean="0"/>
+              <a:rPr lang="fr-FR" dirty="0" err="1"/>
               <a:t>listening</a:t>
             </a:r>
             <a:r>
-              <a:rPr lang="fr-FR" dirty="0" smtClean="0"/>
+              <a:rPr lang="fr-FR" dirty="0"/>
               <a:t> </a:t>
             </a:r>
-            <a:endParaRPr lang="fr-FR" dirty="0"/>
           </a:p>
         </p:txBody>
       </p:sp>
@@ -6649,27 +6706,27 @@
               <a:buNone/>
             </a:pPr>
             <a:r>
-              <a:rPr lang="fr-FR" sz="4000" dirty="0" smtClean="0"/>
+              <a:rPr lang="fr-FR" sz="4000" dirty="0"/>
               <a:t>And </a:t>
             </a:r>
             <a:r>
-              <a:rPr lang="fr-FR" sz="4000" dirty="0" err="1" smtClean="0"/>
+              <a:rPr lang="fr-FR" sz="4000" dirty="0" err="1"/>
               <a:t>see</a:t>
             </a:r>
             <a:r>
-              <a:rPr lang="fr-FR" sz="4000" dirty="0" smtClean="0"/>
+              <a:rPr lang="fr-FR" sz="4000" dirty="0"/>
               <a:t> </a:t>
             </a:r>
             <a:r>
-              <a:rPr lang="fr-FR" sz="4000" dirty="0" err="1" smtClean="0"/>
+              <a:rPr lang="fr-FR" sz="4000" dirty="0" err="1"/>
               <a:t>you</a:t>
             </a:r>
             <a:r>
-              <a:rPr lang="fr-FR" sz="4000" dirty="0" smtClean="0"/>
+              <a:rPr lang="fr-FR" sz="4000" dirty="0"/>
               <a:t> in </a:t>
             </a:r>
             <a:r>
-              <a:rPr lang="fr-FR" sz="4000" dirty="0" err="1" smtClean="0"/>
+              <a:rPr lang="fr-FR" sz="4000" dirty="0" err="1"/>
               <a:t>september</a:t>
             </a:r>
             <a:r>
@@ -6757,7 +6814,7 @@
           <a:p>
             <a:pPr algn="ctr"/>
             <a:r>
-              <a:rPr lang="fr-FR" b="1" u="sng" dirty="0" smtClean="0">
+              <a:rPr lang="fr-FR" b="1" u="sng" dirty="0">
                 <a:solidFill>
                   <a:schemeClr val="tx1"/>
                 </a:solidFill>
@@ -6765,7 +6822,7 @@
               <a:t>Introduction and </a:t>
             </a:r>
             <a:r>
-              <a:rPr lang="fr-FR" b="1" u="sng" dirty="0" err="1" smtClean="0">
+              <a:rPr lang="fr-FR" b="1" u="sng" dirty="0" err="1">
                 <a:solidFill>
                   <a:schemeClr val="tx1"/>
                 </a:solidFill>
@@ -6801,19 +6858,19 @@
           <a:lstStyle/>
           <a:p>
             <a:r>
-              <a:rPr lang="fr-FR" dirty="0" err="1" smtClean="0"/>
+              <a:rPr lang="fr-FR" dirty="0" err="1"/>
               <a:t>Aim</a:t>
             </a:r>
             <a:r>
-              <a:rPr lang="fr-FR" dirty="0" smtClean="0"/>
+              <a:rPr lang="fr-FR" dirty="0"/>
               <a:t> of the </a:t>
             </a:r>
             <a:r>
-              <a:rPr lang="fr-FR" dirty="0" err="1" smtClean="0"/>
+              <a:rPr lang="fr-FR" dirty="0" err="1"/>
               <a:t>project</a:t>
             </a:r>
             <a:r>
-              <a:rPr lang="fr-FR" dirty="0" smtClean="0"/>
+              <a:rPr lang="fr-FR" dirty="0"/>
               <a:t> ?</a:t>
             </a:r>
           </a:p>
@@ -6822,70 +6879,69 @@
           </a:p>
           <a:p>
             <a:r>
-              <a:rPr lang="fr-FR" dirty="0" err="1" smtClean="0"/>
+              <a:rPr lang="fr-FR" dirty="0" err="1"/>
               <a:t>Working</a:t>
             </a:r>
             <a:r>
-              <a:rPr lang="fr-FR" dirty="0" smtClean="0"/>
+              <a:rPr lang="fr-FR" dirty="0"/>
               <a:t> on a </a:t>
             </a:r>
             <a:r>
-              <a:rPr lang="fr-FR" dirty="0" err="1" smtClean="0"/>
+              <a:rPr lang="fr-FR" dirty="0" err="1"/>
               <a:t>seawater</a:t>
             </a:r>
             <a:r>
-              <a:rPr lang="fr-FR" dirty="0" smtClean="0"/>
+              <a:rPr lang="fr-FR" dirty="0"/>
               <a:t> aquarium </a:t>
             </a:r>
             <a:r>
-              <a:rPr lang="fr-FR" dirty="0" err="1" smtClean="0"/>
+              <a:rPr lang="fr-FR" dirty="0" err="1"/>
               <a:t>which</a:t>
             </a:r>
             <a:r>
-              <a:rPr lang="fr-FR" dirty="0" smtClean="0"/>
+              <a:rPr lang="fr-FR" dirty="0"/>
               <a:t> </a:t>
             </a:r>
             <a:r>
-              <a:rPr lang="fr-FR" dirty="0" err="1" smtClean="0"/>
+              <a:rPr lang="fr-FR" dirty="0" err="1"/>
               <a:t>is</a:t>
             </a:r>
             <a:r>
-              <a:rPr lang="fr-FR" dirty="0" smtClean="0"/>
+              <a:rPr lang="fr-FR" dirty="0"/>
               <a:t> </a:t>
             </a:r>
             <a:r>
-              <a:rPr lang="fr-FR" dirty="0" err="1" smtClean="0"/>
+              <a:rPr lang="fr-FR" dirty="0" err="1"/>
               <a:t>composed</a:t>
             </a:r>
             <a:r>
-              <a:rPr lang="fr-FR" dirty="0" smtClean="0"/>
+              <a:rPr lang="fr-FR" dirty="0"/>
               <a:t> of </a:t>
             </a:r>
             <a:r>
-              <a:rPr lang="fr-FR" dirty="0" err="1" smtClean="0"/>
+              <a:rPr lang="fr-FR" dirty="0" err="1"/>
               <a:t>many</a:t>
             </a:r>
             <a:r>
-              <a:rPr lang="fr-FR" dirty="0" smtClean="0"/>
+              <a:rPr lang="fr-FR" dirty="0"/>
               <a:t> </a:t>
             </a:r>
             <a:r>
-              <a:rPr lang="fr-FR" dirty="0" err="1" smtClean="0"/>
+              <a:rPr lang="fr-FR" dirty="0" err="1"/>
               <a:t>fishes</a:t>
             </a:r>
             <a:r>
-              <a:rPr lang="fr-FR" dirty="0" smtClean="0"/>
+              <a:rPr lang="fr-FR" dirty="0"/>
               <a:t> </a:t>
             </a:r>
             <a:r>
-              <a:rPr lang="fr-FR" dirty="0" err="1" smtClean="0"/>
+              <a:rPr lang="fr-FR" dirty="0" err="1"/>
               <a:t>species</a:t>
             </a:r>
             <a:r>
-              <a:rPr lang="fr-FR" dirty="0" smtClean="0"/>
+              <a:rPr lang="fr-FR" dirty="0"/>
               <a:t> </a:t>
             </a:r>
-            <a:endParaRPr lang="fr-FR" dirty="0"/>
           </a:p>
         </p:txBody>
       </p:sp>
@@ -6923,13 +6979,6 @@
   <p:clrMapOvr>
     <a:masterClrMapping/>
   </p:clrMapOvr>
-  <p:timing>
-    <p:tnLst>
-      <p:par>
-        <p:cTn id="1" dur="indefinite" restart="never" nodeType="tmRoot"/>
-      </p:par>
-    </p:tnLst>
-  </p:timing>
 </p:sld>
 </file>
 
@@ -6971,7 +7020,7 @@
           <a:lstStyle/>
           <a:p>
             <a:r>
-              <a:rPr lang="fr-FR" b="1" u="sng" dirty="0" err="1" smtClean="0">
+              <a:rPr lang="fr-FR" b="1" u="sng" dirty="0" err="1">
                 <a:solidFill>
                   <a:schemeClr val="tx1"/>
                 </a:solidFill>
@@ -6979,7 +7028,7 @@
               <a:t>Completed</a:t>
             </a:r>
             <a:r>
-              <a:rPr lang="fr-FR" b="1" u="sng" dirty="0" smtClean="0">
+              <a:rPr lang="fr-FR" b="1" u="sng" dirty="0">
                 <a:solidFill>
                   <a:schemeClr val="tx1"/>
                 </a:solidFill>
@@ -6987,7 +7036,7 @@
               <a:t> </a:t>
             </a:r>
             <a:r>
-              <a:rPr lang="fr-FR" b="1" u="sng" dirty="0" err="1" smtClean="0">
+              <a:rPr lang="fr-FR" b="1" u="sng" dirty="0" err="1">
                 <a:solidFill>
                   <a:schemeClr val="tx1"/>
                 </a:solidFill>
@@ -6995,18 +7044,13 @@
               <a:t>work</a:t>
             </a:r>
             <a:r>
-              <a:rPr lang="fr-FR" b="1" u="sng" dirty="0" smtClean="0">
+              <a:rPr lang="fr-FR" b="1" u="sng" dirty="0">
                 <a:solidFill>
                   <a:schemeClr val="tx1"/>
                 </a:solidFill>
               </a:rPr>
               <a:t> - Hardware</a:t>
             </a:r>
-            <a:endParaRPr lang="fr-FR" b="1" u="sng" dirty="0">
-              <a:solidFill>
-                <a:schemeClr val="tx1"/>
-              </a:solidFill>
-            </a:endParaRPr>
           </a:p>
         </p:txBody>
       </p:sp>
@@ -7034,7 +7078,7 @@
               <a:buNone/>
             </a:pPr>
             <a:r>
-              <a:rPr lang="fr-FR" dirty="0" err="1" smtClean="0">
+              <a:rPr lang="fr-FR" dirty="0" err="1">
                 <a:solidFill>
                   <a:schemeClr val="tx1"/>
                 </a:solidFill>
@@ -7042,26 +7086,13 @@
               <a:t>Raspberry</a:t>
             </a:r>
             <a:r>
-              <a:rPr lang="fr-FR" dirty="0" smtClean="0">
+              <a:rPr lang="fr-FR" dirty="0">
                 <a:solidFill>
                   <a:schemeClr val="tx1"/>
                 </a:solidFill>
               </a:rPr>
-              <a:t> </a:t>
-            </a:r>
-            <a:r>
-              <a:rPr lang="fr-FR" dirty="0" smtClean="0">
-                <a:solidFill>
-                  <a:schemeClr val="tx1"/>
-                </a:solidFill>
-              </a:rPr>
-              <a:t>Pi </a:t>
-            </a:r>
-            <a:endParaRPr lang="fr-FR" dirty="0" smtClean="0">
-              <a:solidFill>
-                <a:schemeClr val="tx1"/>
-              </a:solidFill>
-            </a:endParaRPr>
+              <a:t> Pi </a:t>
+            </a:r>
           </a:p>
           <a:p>
             <a:pPr indent="-342900">
@@ -7079,7 +7110,7 @@
               <a:buNone/>
             </a:pPr>
             <a:r>
-              <a:rPr lang="fr-FR" u="sng" dirty="0" smtClean="0">
+              <a:rPr lang="fr-FR" u="sng" dirty="0">
                 <a:solidFill>
                   <a:srgbClr val="92D050"/>
                 </a:solidFill>
@@ -7087,7 +7118,7 @@
               <a:t>Mettre photos du set up de la </a:t>
             </a:r>
             <a:r>
-              <a:rPr lang="fr-FR" u="sng" dirty="0" err="1" smtClean="0">
+              <a:rPr lang="fr-FR" u="sng" dirty="0" err="1">
                 <a:solidFill>
                   <a:srgbClr val="92D050"/>
                 </a:solidFill>
@@ -7095,7 +7126,7 @@
               <a:t>raspberry</a:t>
             </a:r>
             <a:r>
-              <a:rPr lang="fr-FR" u="sng" dirty="0" smtClean="0">
+              <a:rPr lang="fr-FR" u="sng" dirty="0">
                 <a:solidFill>
                   <a:srgbClr val="92D050"/>
                 </a:solidFill>
@@ -7103,7 +7134,7 @@
               <a:t> avec la caméra également </a:t>
             </a:r>
             <a:r>
-              <a:rPr lang="fr-FR" u="sng" dirty="0" err="1" smtClean="0">
+              <a:rPr lang="fr-FR" u="sng" dirty="0" err="1">
                 <a:solidFill>
                   <a:srgbClr val="92D050"/>
                 </a:solidFill>
@@ -7128,13 +7159,6 @@
   <p:clrMapOvr>
     <a:masterClrMapping/>
   </p:clrMapOvr>
-  <p:timing>
-    <p:tnLst>
-      <p:par>
-        <p:cTn id="1" dur="indefinite" restart="never" nodeType="tmRoot"/>
-      </p:par>
-    </p:tnLst>
-  </p:timing>
 </p:sld>
 </file>
 
@@ -7176,7 +7200,7 @@
           <a:lstStyle/>
           <a:p>
             <a:r>
-              <a:rPr lang="fr-FR" b="1" u="sng" dirty="0" err="1" smtClean="0">
+              <a:rPr lang="fr-FR" b="1" u="sng" dirty="0" err="1">
                 <a:solidFill>
                   <a:schemeClr val="tx1"/>
                 </a:solidFill>
@@ -7184,7 +7208,7 @@
               <a:t>Completed</a:t>
             </a:r>
             <a:r>
-              <a:rPr lang="fr-FR" b="1" u="sng" dirty="0" smtClean="0">
+              <a:rPr lang="fr-FR" b="1" u="sng" dirty="0">
                 <a:solidFill>
                   <a:schemeClr val="tx1"/>
                 </a:solidFill>
@@ -7192,7 +7216,7 @@
               <a:t> </a:t>
             </a:r>
             <a:r>
-              <a:rPr lang="fr-FR" b="1" u="sng" dirty="0" err="1" smtClean="0">
+              <a:rPr lang="fr-FR" b="1" u="sng" dirty="0" err="1">
                 <a:solidFill>
                   <a:schemeClr val="tx1"/>
                 </a:solidFill>
@@ -7200,70 +7224,60 @@
               <a:t>work</a:t>
             </a:r>
             <a:r>
-              <a:rPr lang="fr-FR" b="1" u="sng" dirty="0" smtClean="0">
+              <a:rPr lang="fr-FR" b="1" u="sng" dirty="0">
                 <a:solidFill>
                   <a:schemeClr val="tx1"/>
                 </a:solidFill>
               </a:rPr>
               <a:t> - Hardware</a:t>
             </a:r>
-            <a:endParaRPr lang="fr-FR" b="1" u="sng" dirty="0">
+          </a:p>
+        </p:txBody>
+      </p:sp>
+      <p:sp>
+        <p:nvSpPr>
+          <p:cNvPr id="3" name="Espace réservé du contenu 2"/>
+          <p:cNvSpPr>
+            <a:spLocks noGrp="1"/>
+          </p:cNvSpPr>
+          <p:nvPr>
+            <p:ph idx="1"/>
+          </p:nvPr>
+        </p:nvSpPr>
+        <p:spPr/>
+        <p:txBody>
+          <a:bodyPr/>
+          <a:lstStyle/>
+          <a:p>
+            <a:pPr marL="0" indent="0">
+              <a:buNone/>
+            </a:pPr>
+            <a:r>
+              <a:rPr lang="fr-FR" dirty="0" err="1">
+                <a:solidFill>
+                  <a:schemeClr val="tx1"/>
+                </a:solidFill>
+              </a:rPr>
+              <a:t>Temperature</a:t>
+            </a:r>
+            <a:endParaRPr lang="fr-FR" dirty="0">
               <a:solidFill>
                 <a:schemeClr val="tx1"/>
               </a:solidFill>
             </a:endParaRPr>
           </a:p>
-        </p:txBody>
-      </p:sp>
-      <p:sp>
-        <p:nvSpPr>
-          <p:cNvPr id="3" name="Espace réservé du contenu 2"/>
-          <p:cNvSpPr>
-            <a:spLocks noGrp="1"/>
-          </p:cNvSpPr>
-          <p:nvPr>
-            <p:ph idx="1"/>
-          </p:nvPr>
-        </p:nvSpPr>
-        <p:spPr/>
-        <p:txBody>
-          <a:bodyPr/>
-          <a:lstStyle/>
           <a:p>
             <a:pPr marL="0" indent="0">
               <a:buNone/>
             </a:pPr>
             <a:r>
-              <a:rPr lang="fr-FR" dirty="0" err="1" smtClean="0">
-                <a:solidFill>
-                  <a:schemeClr val="tx1"/>
-                </a:solidFill>
-              </a:rPr>
-              <a:t>Temperature</a:t>
-            </a:r>
-            <a:endParaRPr lang="fr-FR" dirty="0" smtClean="0">
-              <a:solidFill>
-                <a:schemeClr val="tx1"/>
-              </a:solidFill>
-            </a:endParaRPr>
-          </a:p>
-          <a:p>
-            <a:pPr marL="0" indent="0">
-              <a:buNone/>
-            </a:pPr>
-            <a:r>
-              <a:rPr lang="fr-FR" u="sng" dirty="0" smtClean="0">
+              <a:rPr lang="fr-FR" u="sng" dirty="0">
                 <a:solidFill>
                   <a:srgbClr val="92D050"/>
                 </a:solidFill>
               </a:rPr>
               <a:t>Mettre photos du montage avec le double capteurs (tests dans l’aquarium) + explication du code python qui sauvegarde la moyenne dans un fichier texte.</a:t>
             </a:r>
-            <a:endParaRPr lang="fr-FR" u="sng" dirty="0">
-              <a:solidFill>
-                <a:srgbClr val="92D050"/>
-              </a:solidFill>
-            </a:endParaRPr>
           </a:p>
         </p:txBody>
       </p:sp>
@@ -7277,13 +7291,6 @@
   <p:clrMapOvr>
     <a:masterClrMapping/>
   </p:clrMapOvr>
-  <p:timing>
-    <p:tnLst>
-      <p:par>
-        <p:cTn id="1" dur="indefinite" restart="never" nodeType="tmRoot"/>
-      </p:par>
-    </p:tnLst>
-  </p:timing>
 </p:sld>
 </file>
 
@@ -7320,7 +7327,7 @@
           <a:lstStyle/>
           <a:p>
             <a:r>
-              <a:rPr lang="fr-FR" b="1" u="sng" dirty="0" err="1" smtClean="0">
+              <a:rPr lang="fr-FR" b="1" u="sng" dirty="0" err="1">
                 <a:solidFill>
                   <a:schemeClr val="tx1"/>
                 </a:solidFill>
@@ -7328,7 +7335,7 @@
               <a:t>Completed</a:t>
             </a:r>
             <a:r>
-              <a:rPr lang="fr-FR" b="1" u="sng" dirty="0" smtClean="0">
+              <a:rPr lang="fr-FR" b="1" u="sng" dirty="0">
                 <a:solidFill>
                   <a:schemeClr val="tx1"/>
                 </a:solidFill>
@@ -7336,7 +7343,7 @@
               <a:t> </a:t>
             </a:r>
             <a:r>
-              <a:rPr lang="fr-FR" b="1" u="sng" dirty="0" err="1" smtClean="0">
+              <a:rPr lang="fr-FR" b="1" u="sng" dirty="0" err="1">
                 <a:solidFill>
                   <a:schemeClr val="tx1"/>
                 </a:solidFill>
@@ -7344,18 +7351,13 @@
               <a:t>work</a:t>
             </a:r>
             <a:r>
-              <a:rPr lang="fr-FR" b="1" u="sng" dirty="0" smtClean="0">
+              <a:rPr lang="fr-FR" b="1" u="sng" dirty="0">
                 <a:solidFill>
                   <a:schemeClr val="tx1"/>
                 </a:solidFill>
               </a:rPr>
               <a:t> - Hardware</a:t>
             </a:r>
-            <a:endParaRPr lang="fr-FR" b="1" u="sng" dirty="0">
-              <a:solidFill>
-                <a:schemeClr val="tx1"/>
-              </a:solidFill>
-            </a:endParaRPr>
           </a:p>
         </p:txBody>
       </p:sp>
@@ -7378,7 +7380,7 @@
               <a:buNone/>
             </a:pPr>
             <a:r>
-              <a:rPr lang="fr-FR" dirty="0" err="1" smtClean="0">
+              <a:rPr lang="fr-FR" dirty="0" err="1">
                 <a:solidFill>
                   <a:schemeClr val="tx1"/>
                 </a:solidFill>
@@ -7386,14 +7388,19 @@
               <a:t>Brightness</a:t>
             </a:r>
             <a:r>
-              <a:rPr lang="fr-FR" dirty="0" smtClean="0">
+              <a:rPr lang="fr-FR" dirty="0">
                 <a:solidFill>
                   <a:schemeClr val="bg1"/>
                 </a:solidFill>
               </a:rPr>
               <a:t>	</a:t>
             </a:r>
-            <a:endParaRPr lang="fr-FR" dirty="0" smtClean="0">
+          </a:p>
+          <a:p>
+            <a:pPr marL="0" indent="0">
+              <a:buNone/>
+            </a:pPr>
+            <a:endParaRPr lang="fr-FR" dirty="0">
               <a:solidFill>
                 <a:schemeClr val="bg1"/>
               </a:solidFill>
@@ -7403,29 +7410,14 @@
             <a:pPr marL="0" indent="0">
               <a:buNone/>
             </a:pPr>
-            <a:endParaRPr lang="fr-FR" dirty="0" smtClean="0">
-              <a:solidFill>
-                <a:schemeClr val="bg1"/>
-              </a:solidFill>
-            </a:endParaRPr>
-          </a:p>
-          <a:p>
-            <a:pPr marL="0" indent="0">
-              <a:buNone/>
-            </a:pPr>
-            <a:r>
-              <a:rPr lang="fr-FR" u="sng" dirty="0" smtClean="0">
+            <a:r>
+              <a:rPr lang="fr-FR" u="sng" dirty="0">
                 <a:solidFill>
                   <a:srgbClr val="92D050"/>
                 </a:solidFill>
               </a:rPr>
               <a:t>Photos du montage avec le capteur de luminosité + code </a:t>
             </a:r>
-            <a:endParaRPr lang="fr-FR" u="sng" dirty="0">
-              <a:solidFill>
-                <a:srgbClr val="92D050"/>
-              </a:solidFill>
-            </a:endParaRPr>
           </a:p>
         </p:txBody>
       </p:sp>
@@ -7439,13 +7431,6 @@
   <p:clrMapOvr>
     <a:masterClrMapping/>
   </p:clrMapOvr>
-  <p:timing>
-    <p:tnLst>
-      <p:par>
-        <p:cTn id="1" dur="indefinite" restart="never" nodeType="tmRoot"/>
-      </p:par>
-    </p:tnLst>
-  </p:timing>
 </p:sld>
 </file>
 
@@ -7484,7 +7469,7 @@
           <a:lstStyle/>
           <a:p>
             <a:r>
-              <a:rPr lang="fr-FR" b="1" u="sng" dirty="0" err="1" smtClean="0">
+              <a:rPr lang="fr-FR" b="1" u="sng" dirty="0" err="1">
                 <a:solidFill>
                   <a:schemeClr val="tx1"/>
                 </a:solidFill>
@@ -7492,7 +7477,7 @@
               <a:t>Completed</a:t>
             </a:r>
             <a:r>
-              <a:rPr lang="fr-FR" b="1" u="sng" dirty="0" smtClean="0">
+              <a:rPr lang="fr-FR" b="1" u="sng" dirty="0">
                 <a:solidFill>
                   <a:schemeClr val="tx1"/>
                 </a:solidFill>
@@ -7500,7 +7485,7 @@
               <a:t> </a:t>
             </a:r>
             <a:r>
-              <a:rPr lang="fr-FR" b="1" u="sng" dirty="0" err="1" smtClean="0">
+              <a:rPr lang="fr-FR" b="1" u="sng" dirty="0" err="1">
                 <a:solidFill>
                   <a:schemeClr val="tx1"/>
                 </a:solidFill>
@@ -7508,18 +7493,13 @@
               <a:t>work</a:t>
             </a:r>
             <a:r>
-              <a:rPr lang="fr-FR" b="1" u="sng" dirty="0" smtClean="0">
+              <a:rPr lang="fr-FR" b="1" u="sng" dirty="0">
                 <a:solidFill>
                   <a:schemeClr val="tx1"/>
                 </a:solidFill>
               </a:rPr>
               <a:t> - Image Recognition</a:t>
             </a:r>
-            <a:endParaRPr lang="fr-FR" b="1" u="sng" dirty="0">
-              <a:solidFill>
-                <a:schemeClr val="tx1"/>
-              </a:solidFill>
-            </a:endParaRPr>
           </a:p>
         </p:txBody>
       </p:sp>
@@ -7542,7 +7522,7 @@
               <a:buNone/>
             </a:pPr>
             <a:r>
-              <a:rPr lang="fr-FR" dirty="0" smtClean="0">
+              <a:rPr lang="fr-FR" dirty="0">
                 <a:solidFill>
                   <a:schemeClr val="tx1"/>
                 </a:solidFill>
@@ -7550,7 +7530,7 @@
               <a:t>Initial </a:t>
             </a:r>
             <a:r>
-              <a:rPr lang="fr-FR" dirty="0" err="1" smtClean="0">
+              <a:rPr lang="fr-FR" dirty="0" err="1">
                 <a:solidFill>
                   <a:schemeClr val="tx1"/>
                 </a:solidFill>
@@ -7575,13 +7555,6 @@
   <p:clrMapOvr>
     <a:masterClrMapping/>
   </p:clrMapOvr>
-  <p:timing>
-    <p:tnLst>
-      <p:par>
-        <p:cTn id="1" dur="indefinite" restart="never" nodeType="tmRoot"/>
-      </p:par>
-    </p:tnLst>
-  </p:timing>
 </p:sld>
 </file>
 
@@ -7620,7 +7593,7 @@
           <a:lstStyle/>
           <a:p>
             <a:r>
-              <a:rPr lang="fr-FR" b="1" u="sng" dirty="0" err="1" smtClean="0">
+              <a:rPr lang="fr-FR" b="1" u="sng" dirty="0" err="1">
                 <a:solidFill>
                   <a:schemeClr val="tx1"/>
                 </a:solidFill>
@@ -7628,7 +7601,7 @@
               <a:t>Completed</a:t>
             </a:r>
             <a:r>
-              <a:rPr lang="fr-FR" b="1" u="sng" dirty="0" smtClean="0">
+              <a:rPr lang="fr-FR" b="1" u="sng" dirty="0">
                 <a:solidFill>
                   <a:schemeClr val="tx1"/>
                 </a:solidFill>
@@ -7636,7 +7609,7 @@
               <a:t> </a:t>
             </a:r>
             <a:r>
-              <a:rPr lang="fr-FR" b="1" u="sng" dirty="0" err="1" smtClean="0">
+              <a:rPr lang="fr-FR" b="1" u="sng" dirty="0" err="1">
                 <a:solidFill>
                   <a:schemeClr val="tx1"/>
                 </a:solidFill>
@@ -7644,18 +7617,13 @@
               <a:t>work</a:t>
             </a:r>
             <a:r>
-              <a:rPr lang="fr-FR" b="1" u="sng" dirty="0" smtClean="0">
+              <a:rPr lang="fr-FR" b="1" u="sng" dirty="0">
                 <a:solidFill>
                   <a:schemeClr val="tx1"/>
                 </a:solidFill>
               </a:rPr>
               <a:t> - Image Recognition</a:t>
             </a:r>
-            <a:endParaRPr lang="fr-FR" b="1" u="sng" dirty="0">
-              <a:solidFill>
-                <a:schemeClr val="tx1"/>
-              </a:solidFill>
-            </a:endParaRPr>
           </a:p>
         </p:txBody>
       </p:sp>
@@ -7678,7 +7646,7 @@
               <a:buNone/>
             </a:pPr>
             <a:r>
-              <a:rPr lang="fr-FR" dirty="0" err="1" smtClean="0">
+              <a:rPr lang="fr-FR" dirty="0" err="1">
                 <a:solidFill>
                   <a:schemeClr val="tx1"/>
                 </a:solidFill>
@@ -7703,13 +7671,6 @@
   <p:clrMapOvr>
     <a:masterClrMapping/>
   </p:clrMapOvr>
-  <p:timing>
-    <p:tnLst>
-      <p:par>
-        <p:cTn id="1" dur="indefinite" restart="never" nodeType="tmRoot"/>
-      </p:par>
-    </p:tnLst>
-  </p:timing>
 </p:sld>
 </file>
 
@@ -7746,7 +7707,7 @@
           <a:lstStyle/>
           <a:p>
             <a:r>
-              <a:rPr lang="fr-FR" b="1" u="sng" dirty="0" err="1" smtClean="0">
+              <a:rPr lang="fr-FR" b="1" u="sng" dirty="0" err="1">
                 <a:solidFill>
                   <a:schemeClr val="tx1"/>
                 </a:solidFill>
@@ -7754,7 +7715,7 @@
               <a:t>Completed</a:t>
             </a:r>
             <a:r>
-              <a:rPr lang="fr-FR" b="1" u="sng" dirty="0" smtClean="0">
+              <a:rPr lang="fr-FR" b="1" u="sng" dirty="0">
                 <a:solidFill>
                   <a:schemeClr val="tx1"/>
                 </a:solidFill>
@@ -7762,7 +7723,7 @@
               <a:t> </a:t>
             </a:r>
             <a:r>
-              <a:rPr lang="fr-FR" b="1" u="sng" dirty="0" err="1" smtClean="0">
+              <a:rPr lang="fr-FR" b="1" u="sng" dirty="0" err="1">
                 <a:solidFill>
                   <a:schemeClr val="tx1"/>
                 </a:solidFill>
@@ -7770,18 +7731,13 @@
               <a:t>work</a:t>
             </a:r>
             <a:r>
-              <a:rPr lang="fr-FR" b="1" u="sng" dirty="0" smtClean="0">
+              <a:rPr lang="fr-FR" b="1" u="sng" dirty="0">
                 <a:solidFill>
                   <a:schemeClr val="tx1"/>
                 </a:solidFill>
               </a:rPr>
               <a:t> - Android App</a:t>
             </a:r>
-            <a:endParaRPr lang="fr-FR" b="1" u="sng" dirty="0">
-              <a:solidFill>
-                <a:schemeClr val="tx1"/>
-              </a:solidFill>
-            </a:endParaRPr>
           </a:p>
         </p:txBody>
       </p:sp>
@@ -7804,38 +7760,287 @@
               <a:buNone/>
             </a:pPr>
             <a:r>
-              <a:rPr lang="fr-FR" dirty="0" err="1" smtClean="0">
+              <a:rPr lang="fr-FR" b="1" dirty="0">
                 <a:solidFill>
                   <a:schemeClr val="tx1"/>
                 </a:solidFill>
+                <a:latin typeface="Arial Narrow" panose="020B0606020202030204" pitchFamily="34" charset="0"/>
               </a:rPr>
-              <a:t>Figma</a:t>
-            </a:r>
-            <a:endParaRPr lang="fr-FR" dirty="0">
-              <a:solidFill>
-                <a:schemeClr val="tx1"/>
-              </a:solidFill>
-            </a:endParaRPr>
+              <a:t>Schématisation</a:t>
+            </a:r>
+            <a:r>
+              <a:rPr lang="fr-FR" dirty="0">
+                <a:solidFill>
+                  <a:schemeClr val="tx1"/>
+                </a:solidFill>
+              </a:rPr>
+              <a:t>  :</a:t>
+            </a:r>
+          </a:p>
+        </p:txBody>
+      </p:sp>
+      <p:pic>
+        <p:nvPicPr>
+          <p:cNvPr id="4" name="Image 3"/>
+          <p:cNvPicPr>
+            <a:picLocks noChangeAspect="1"/>
+          </p:cNvPicPr>
+          <p:nvPr/>
+        </p:nvPicPr>
+        <p:blipFill rotWithShape="1">
+          <a:blip r:embed="rId2" cstate="print">
+            <a:extLst>
+              <a:ext uri="{28A0092B-C50C-407E-A947-70E740481C1C}">
+                <a14:useLocalDpi xmlns:a14="http://schemas.microsoft.com/office/drawing/2010/main" val="0"/>
+              </a:ext>
+            </a:extLst>
+          </a:blip>
+          <a:srcRect l="12338" r="16223" b="4003"/>
+          <a:stretch/>
+        </p:blipFill>
+        <p:spPr>
+          <a:xfrm>
+            <a:off x="913795" y="2136530"/>
+            <a:ext cx="2392113" cy="4285869"/>
+          </a:xfrm>
+          <a:prstGeom prst="roundRect">
+            <a:avLst>
+              <a:gd name="adj" fmla="val 4167"/>
+            </a:avLst>
+          </a:prstGeom>
+          <a:solidFill>
+            <a:srgbClr val="FFFFFF"/>
+          </a:solidFill>
+          <a:ln w="76200" cap="sq">
+            <a:solidFill>
+              <a:srgbClr val="EAEAEA"/>
+            </a:solidFill>
+            <a:miter lim="800000"/>
+          </a:ln>
+          <a:effectLst>
+            <a:reflection blurRad="12700" stA="33000" endPos="28000" dist="5000" dir="5400000" sy="-100000" algn="bl" rotWithShape="0"/>
+          </a:effectLst>
+          <a:scene3d>
+            <a:camera prst="orthographicFront"/>
+            <a:lightRig rig="threePt" dir="t">
+              <a:rot lat="0" lon="0" rev="2700000"/>
+            </a:lightRig>
+          </a:scene3d>
+          <a:sp3d contourW="6350">
+            <a:bevelT h="38100"/>
+            <a:contourClr>
+              <a:srgbClr val="C0C0C0"/>
+            </a:contourClr>
+          </a:sp3d>
+        </p:spPr>
+      </p:pic>
+      <p:sp>
+        <p:nvSpPr>
+          <p:cNvPr id="5" name="ZoneTexte 4"/>
+          <p:cNvSpPr txBox="1"/>
+          <p:nvPr/>
+        </p:nvSpPr>
+        <p:spPr>
+          <a:xfrm>
+            <a:off x="3898232" y="2342147"/>
+            <a:ext cx="3978442" cy="2585323"/>
+          </a:xfrm>
+          <a:prstGeom prst="rect">
+            <a:avLst/>
+          </a:prstGeom>
+          <a:noFill/>
+        </p:spPr>
+        <p:txBody>
+          <a:bodyPr wrap="square" rtlCol="0">
+            <a:spAutoFit/>
+          </a:bodyPr>
+          <a:lstStyle/>
+          <a:p>
+            <a:r>
+              <a:rPr lang="fr-FR" b="1" u="sng" dirty="0" err="1"/>
+              <a:t>Meets</a:t>
+            </a:r>
+            <a:r>
+              <a:rPr lang="fr-FR" b="1" u="sng" dirty="0"/>
+              <a:t> the </a:t>
+            </a:r>
+            <a:r>
+              <a:rPr lang="fr-FR" b="1" u="sng" dirty="0" err="1"/>
+              <a:t>Needs</a:t>
+            </a:r>
+            <a:r>
+              <a:rPr lang="fr-FR" b="1" u="sng" dirty="0"/>
+              <a:t>:</a:t>
+            </a:r>
+          </a:p>
+          <a:p>
+            <a:endParaRPr lang="fr-FR" dirty="0"/>
+          </a:p>
+          <a:p>
+            <a:r>
+              <a:rPr lang="fr-FR" b="1" dirty="0"/>
+              <a:t>FP1</a:t>
+            </a:r>
+            <a:r>
+              <a:rPr lang="fr-FR" dirty="0"/>
+              <a:t> : Check the </a:t>
+            </a:r>
+            <a:r>
+              <a:rPr lang="fr-FR" dirty="0" err="1"/>
+              <a:t>visual</a:t>
+            </a:r>
+            <a:r>
+              <a:rPr lang="fr-FR" dirty="0"/>
+              <a:t> information of </a:t>
+            </a:r>
+            <a:r>
+              <a:rPr lang="fr-FR" dirty="0" err="1"/>
+              <a:t>health</a:t>
+            </a:r>
+            <a:r>
+              <a:rPr lang="fr-FR" dirty="0"/>
+              <a:t> of the </a:t>
+            </a:r>
+            <a:r>
+              <a:rPr lang="fr-FR" dirty="0" err="1"/>
+              <a:t>fish</a:t>
+            </a:r>
+            <a:r>
+              <a:rPr lang="fr-FR" dirty="0"/>
+              <a:t>.</a:t>
+            </a:r>
+          </a:p>
+          <a:p>
+            <a:endParaRPr lang="fr-FR" dirty="0"/>
+          </a:p>
+          <a:p>
+            <a:r>
+              <a:rPr lang="fr-FR" b="1" dirty="0"/>
+              <a:t>FP2</a:t>
+            </a:r>
+            <a:r>
+              <a:rPr lang="fr-FR" dirty="0"/>
+              <a:t> : Show the information of the aquarium for the </a:t>
+            </a:r>
+            <a:r>
+              <a:rPr lang="fr-FR" dirty="0" err="1"/>
+              <a:t>viewer</a:t>
+            </a:r>
+            <a:r>
+              <a:rPr lang="fr-FR" dirty="0"/>
+              <a:t>.</a:t>
+            </a:r>
+          </a:p>
+          <a:p>
+            <a:endParaRPr lang="fr-FR" dirty="0"/>
+          </a:p>
+          <a:p>
+            <a:r>
+              <a:rPr lang="fr-FR" dirty="0"/>
+              <a:t> </a:t>
+            </a:r>
+            <a:r>
+              <a:rPr lang="fr-FR" b="1" dirty="0"/>
+              <a:t>FC1</a:t>
+            </a:r>
+            <a:r>
+              <a:rPr lang="fr-FR" dirty="0"/>
+              <a:t>: Monitor the </a:t>
+            </a:r>
+            <a:r>
+              <a:rPr lang="fr-FR" dirty="0" err="1"/>
+              <a:t>level</a:t>
+            </a:r>
+            <a:r>
+              <a:rPr lang="fr-FR" dirty="0"/>
+              <a:t> of water</a:t>
+            </a:r>
+          </a:p>
+        </p:txBody>
+      </p:sp>
+      <p:sp>
+        <p:nvSpPr>
+          <p:cNvPr id="6" name="ZoneTexte 5"/>
+          <p:cNvSpPr txBox="1"/>
+          <p:nvPr/>
+        </p:nvSpPr>
+        <p:spPr>
+          <a:xfrm>
+            <a:off x="8302406" y="2342147"/>
+            <a:ext cx="2622267" cy="2031325"/>
+          </a:xfrm>
+          <a:prstGeom prst="rect">
+            <a:avLst/>
+          </a:prstGeom>
+          <a:noFill/>
+        </p:spPr>
+        <p:txBody>
+          <a:bodyPr wrap="square" rtlCol="0">
+            <a:spAutoFit/>
+          </a:bodyPr>
+          <a:lstStyle/>
+          <a:p>
+            <a:r>
+              <a:rPr lang="fr-FR" b="1" u="sng" dirty="0"/>
+              <a:t>That </a:t>
+            </a:r>
+            <a:r>
+              <a:rPr lang="fr-FR" b="1" u="sng" dirty="0" err="1"/>
+              <a:t>Should</a:t>
+            </a:r>
+            <a:r>
+              <a:rPr lang="fr-FR" b="1" u="sng" dirty="0"/>
+              <a:t> </a:t>
+            </a:r>
+            <a:r>
+              <a:rPr lang="fr-FR" b="1" u="sng" dirty="0" err="1"/>
+              <a:t>be</a:t>
+            </a:r>
+            <a:r>
+              <a:rPr lang="fr-FR" b="1" u="sng" dirty="0"/>
+              <a:t>:</a:t>
+            </a:r>
+          </a:p>
+          <a:p>
+            <a:endParaRPr lang="fr-FR" dirty="0"/>
+          </a:p>
+          <a:p>
+            <a:r>
+              <a:rPr lang="fr-FR" dirty="0" err="1"/>
+              <a:t>Entertaining</a:t>
+            </a:r>
+            <a:endParaRPr lang="fr-FR" dirty="0"/>
+          </a:p>
+          <a:p>
+            <a:endParaRPr lang="fr-FR" dirty="0"/>
+          </a:p>
+          <a:p>
+            <a:r>
+              <a:rPr lang="fr-FR" dirty="0"/>
+              <a:t>Intuitive</a:t>
+            </a:r>
+          </a:p>
+          <a:p>
+            <a:endParaRPr lang="fr-FR" dirty="0"/>
+          </a:p>
+          <a:p>
+            <a:r>
+              <a:rPr lang="fr-FR" dirty="0"/>
+              <a:t>Smart interface</a:t>
+            </a:r>
           </a:p>
         </p:txBody>
       </p:sp>
     </p:spTree>
     <p:extLst>
       <p:ext uri="{BB962C8B-B14F-4D97-AF65-F5344CB8AC3E}">
-        <p14:creationId xmlns:p14="http://schemas.microsoft.com/office/powerpoint/2010/main" val="986581353"/>
+        <p14:creationId xmlns:p14="http://schemas.microsoft.com/office/powerpoint/2010/main" val="1440595702"/>
       </p:ext>
     </p:extLst>
   </p:cSld>
   <p:clrMapOvr>
     <a:masterClrMapping/>
   </p:clrMapOvr>
-  <p:timing>
-    <p:tnLst>
-      <p:par>
-        <p:cTn id="1" dur="indefinite" restart="never" nodeType="tmRoot"/>
-      </p:par>
-    </p:tnLst>
-  </p:timing>
 </p:sld>
 </file>
 
@@ -7872,7 +8077,7 @@
           <a:lstStyle/>
           <a:p>
             <a:r>
-              <a:rPr lang="fr-FR" b="1" u="sng" dirty="0" err="1" smtClean="0">
+              <a:rPr lang="fr-FR" b="1" u="sng" dirty="0" err="1">
                 <a:solidFill>
                   <a:schemeClr val="tx1"/>
                 </a:solidFill>
@@ -7880,7 +8085,7 @@
               <a:t>Completed</a:t>
             </a:r>
             <a:r>
-              <a:rPr lang="fr-FR" b="1" u="sng" dirty="0" smtClean="0">
+              <a:rPr lang="fr-FR" b="1" u="sng" dirty="0">
                 <a:solidFill>
                   <a:schemeClr val="tx1"/>
                 </a:solidFill>
@@ -7888,7 +8093,7 @@
               <a:t> </a:t>
             </a:r>
             <a:r>
-              <a:rPr lang="fr-FR" b="1" u="sng" dirty="0" err="1" smtClean="0">
+              <a:rPr lang="fr-FR" b="1" u="sng" dirty="0" err="1">
                 <a:solidFill>
                   <a:schemeClr val="tx1"/>
                 </a:solidFill>
@@ -7896,72 +8101,749 @@
               <a:t>work</a:t>
             </a:r>
             <a:r>
-              <a:rPr lang="fr-FR" b="1" u="sng" dirty="0" smtClean="0">
+              <a:rPr lang="fr-FR" b="1" u="sng" dirty="0">
                 <a:solidFill>
                   <a:schemeClr val="tx1"/>
                 </a:solidFill>
               </a:rPr>
               <a:t> - Android App</a:t>
             </a:r>
-            <a:endParaRPr lang="fr-FR" b="1" u="sng" dirty="0">
+          </a:p>
+        </p:txBody>
+      </p:sp>
+      <p:sp>
+        <p:nvSpPr>
+          <p:cNvPr id="3" name="Espace réservé du contenu 2"/>
+          <p:cNvSpPr>
+            <a:spLocks noGrp="1"/>
+          </p:cNvSpPr>
+          <p:nvPr>
+            <p:ph idx="1"/>
+          </p:nvPr>
+        </p:nvSpPr>
+        <p:spPr/>
+        <p:txBody>
+          <a:bodyPr>
+            <a:normAutofit lnSpcReduction="10000"/>
+          </a:bodyPr>
+          <a:lstStyle/>
+          <a:p>
+            <a:pPr marL="0" indent="0">
+              <a:buNone/>
+            </a:pPr>
+            <a:r>
+              <a:rPr lang="fr-FR" sz="2800" b="1" dirty="0" err="1">
+                <a:solidFill>
+                  <a:schemeClr val="tx1"/>
+                </a:solidFill>
+                <a:latin typeface="Arial Narrow" panose="020B0606020202030204" pitchFamily="34" charset="0"/>
+              </a:rPr>
+              <a:t>Figma</a:t>
+            </a:r>
+            <a:r>
+              <a:rPr lang="fr-FR" sz="2800" b="1" dirty="0">
+                <a:solidFill>
+                  <a:schemeClr val="tx1"/>
+                </a:solidFill>
+                <a:latin typeface="Arial Narrow" panose="020B0606020202030204" pitchFamily="34" charset="0"/>
+              </a:rPr>
+              <a:t> :</a:t>
+            </a:r>
+          </a:p>
+          <a:p>
+            <a:pPr marL="0" indent="0">
+              <a:buNone/>
+            </a:pPr>
+            <a:endParaRPr lang="fr-FR" b="1" dirty="0">
               <a:solidFill>
                 <a:schemeClr val="tx1"/>
               </a:solidFill>
+              <a:latin typeface="Arial Narrow" panose="020B0606020202030204" pitchFamily="34" charset="0"/>
             </a:endParaRPr>
           </a:p>
-        </p:txBody>
-      </p:sp>
-      <p:sp>
-        <p:nvSpPr>
-          <p:cNvPr id="3" name="Espace réservé du contenu 2"/>
-          <p:cNvSpPr>
-            <a:spLocks noGrp="1"/>
-          </p:cNvSpPr>
-          <p:nvPr>
-            <p:ph idx="1"/>
-          </p:nvPr>
-        </p:nvSpPr>
-        <p:spPr/>
-        <p:txBody>
-          <a:bodyPr/>
-          <a:lstStyle/>
+          <a:p>
+            <a:pPr indent="-342900"/>
+            <a:r>
+              <a:rPr lang="fr-FR" dirty="0">
+                <a:solidFill>
+                  <a:schemeClr val="tx1"/>
+                </a:solidFill>
+                <a:effectLst>
+                  <a:outerShdw blurRad="38100" dist="38100" dir="2700000" algn="tl">
+                    <a:srgbClr val="000000">
+                      <a:alpha val="43137"/>
+                    </a:srgbClr>
+                  </a:outerShdw>
+                </a:effectLst>
+                <a:latin typeface="Arial Narrow" panose="020B0606020202030204" pitchFamily="34" charset="0"/>
+              </a:rPr>
+              <a:t>Prototype </a:t>
+            </a:r>
+            <a:r>
+              <a:rPr lang="fr-FR" dirty="0" err="1">
+                <a:solidFill>
+                  <a:schemeClr val="tx1"/>
+                </a:solidFill>
+                <a:effectLst>
+                  <a:outerShdw blurRad="38100" dist="38100" dir="2700000" algn="tl">
+                    <a:srgbClr val="000000">
+                      <a:alpha val="43137"/>
+                    </a:srgbClr>
+                  </a:outerShdw>
+                </a:effectLst>
+                <a:latin typeface="Arial Narrow" panose="020B0606020202030204" pitchFamily="34" charset="0"/>
+              </a:rPr>
+              <a:t>our</a:t>
+            </a:r>
+            <a:r>
+              <a:rPr lang="fr-FR" dirty="0">
+                <a:solidFill>
+                  <a:schemeClr val="tx1"/>
+                </a:solidFill>
+                <a:effectLst>
+                  <a:outerShdw blurRad="38100" dist="38100" dir="2700000" algn="tl">
+                    <a:srgbClr val="000000">
+                      <a:alpha val="43137"/>
+                    </a:srgbClr>
+                  </a:outerShdw>
+                </a:effectLst>
+                <a:latin typeface="Arial Narrow" panose="020B0606020202030204" pitchFamily="34" charset="0"/>
+              </a:rPr>
+              <a:t> </a:t>
+            </a:r>
+            <a:r>
+              <a:rPr lang="fr-FR" dirty="0" err="1">
+                <a:solidFill>
+                  <a:schemeClr val="tx1"/>
+                </a:solidFill>
+                <a:effectLst>
+                  <a:outerShdw blurRad="38100" dist="38100" dir="2700000" algn="tl">
+                    <a:srgbClr val="000000">
+                      <a:alpha val="43137"/>
+                    </a:srgbClr>
+                  </a:outerShdw>
+                </a:effectLst>
+                <a:latin typeface="Arial Narrow" panose="020B0606020202030204" pitchFamily="34" charset="0"/>
+              </a:rPr>
+              <a:t>ideas</a:t>
+            </a:r>
+            <a:r>
+              <a:rPr lang="fr-FR" dirty="0">
+                <a:solidFill>
+                  <a:schemeClr val="tx1"/>
+                </a:solidFill>
+                <a:effectLst>
+                  <a:outerShdw blurRad="38100" dist="38100" dir="2700000" algn="tl">
+                    <a:srgbClr val="000000">
+                      <a:alpha val="43137"/>
+                    </a:srgbClr>
+                  </a:outerShdw>
+                </a:effectLst>
+                <a:latin typeface="Arial Narrow" panose="020B0606020202030204" pitchFamily="34" charset="0"/>
+              </a:rPr>
+              <a:t>.</a:t>
+            </a:r>
+          </a:p>
           <a:p>
             <a:pPr marL="0" indent="0">
               <a:buNone/>
             </a:pPr>
-            <a:r>
-              <a:rPr lang="fr-FR" dirty="0" smtClean="0">
-                <a:solidFill>
-                  <a:schemeClr val="tx1"/>
-                </a:solidFill>
-              </a:rPr>
-              <a:t>Android Studio</a:t>
-            </a:r>
             <a:endParaRPr lang="fr-FR" dirty="0">
               <a:solidFill>
                 <a:schemeClr val="tx1"/>
               </a:solidFill>
+              <a:effectLst>
+                <a:outerShdw blurRad="38100" dist="38100" dir="2700000" algn="tl">
+                  <a:srgbClr val="000000">
+                    <a:alpha val="43137"/>
+                  </a:srgbClr>
+                </a:outerShdw>
+              </a:effectLst>
+              <a:latin typeface="Arial Narrow" panose="020B0606020202030204" pitchFamily="34" charset="0"/>
             </a:endParaRPr>
           </a:p>
-        </p:txBody>
-      </p:sp>
+          <a:p>
+            <a:pPr indent="-342900"/>
+            <a:r>
+              <a:rPr lang="fr-FR" dirty="0" err="1">
+                <a:solidFill>
+                  <a:schemeClr val="tx1"/>
+                </a:solidFill>
+                <a:effectLst>
+                  <a:outerShdw blurRad="38100" dist="38100" dir="2700000" algn="tl">
+                    <a:srgbClr val="000000">
+                      <a:alpha val="43137"/>
+                    </a:srgbClr>
+                  </a:outerShdw>
+                </a:effectLst>
+                <a:latin typeface="Arial Narrow" panose="020B0606020202030204" pitchFamily="34" charset="0"/>
+              </a:rPr>
+              <a:t>Simplify</a:t>
+            </a:r>
+            <a:r>
+              <a:rPr lang="fr-FR" dirty="0">
+                <a:solidFill>
+                  <a:schemeClr val="tx1"/>
+                </a:solidFill>
+                <a:effectLst>
+                  <a:outerShdw blurRad="38100" dist="38100" dir="2700000" algn="tl">
+                    <a:srgbClr val="000000">
+                      <a:alpha val="43137"/>
+                    </a:srgbClr>
+                  </a:outerShdw>
+                </a:effectLst>
+                <a:latin typeface="Arial Narrow" panose="020B0606020202030204" pitchFamily="34" charset="0"/>
+              </a:rPr>
+              <a:t> the </a:t>
+            </a:r>
+            <a:r>
+              <a:rPr lang="fr-FR" dirty="0" err="1">
+                <a:solidFill>
+                  <a:schemeClr val="tx1"/>
+                </a:solidFill>
+                <a:effectLst>
+                  <a:outerShdw blurRad="38100" dist="38100" dir="2700000" algn="tl">
+                    <a:srgbClr val="000000">
+                      <a:alpha val="43137"/>
+                    </a:srgbClr>
+                  </a:outerShdw>
+                </a:effectLst>
+                <a:latin typeface="Arial Narrow" panose="020B0606020202030204" pitchFamily="34" charset="0"/>
+              </a:rPr>
+              <a:t>way</a:t>
+            </a:r>
+            <a:r>
+              <a:rPr lang="fr-FR" dirty="0">
+                <a:solidFill>
+                  <a:schemeClr val="tx1"/>
+                </a:solidFill>
+                <a:effectLst>
+                  <a:outerShdw blurRad="38100" dist="38100" dir="2700000" algn="tl">
+                    <a:srgbClr val="000000">
+                      <a:alpha val="43137"/>
+                    </a:srgbClr>
+                  </a:outerShdw>
+                </a:effectLst>
+                <a:latin typeface="Arial Narrow" panose="020B0606020202030204" pitchFamily="34" charset="0"/>
+              </a:rPr>
+              <a:t> </a:t>
+            </a:r>
+            <a:r>
+              <a:rPr lang="fr-FR" dirty="0" err="1">
+                <a:solidFill>
+                  <a:schemeClr val="tx1"/>
+                </a:solidFill>
+                <a:effectLst>
+                  <a:outerShdw blurRad="38100" dist="38100" dir="2700000" algn="tl">
+                    <a:srgbClr val="000000">
+                      <a:alpha val="43137"/>
+                    </a:srgbClr>
+                  </a:outerShdw>
+                </a:effectLst>
+                <a:latin typeface="Arial Narrow" panose="020B0606020202030204" pitchFamily="34" charset="0"/>
+              </a:rPr>
+              <a:t>between</a:t>
+            </a:r>
+            <a:r>
+              <a:rPr lang="fr-FR" dirty="0">
+                <a:solidFill>
+                  <a:schemeClr val="tx1"/>
+                </a:solidFill>
+                <a:effectLst>
+                  <a:outerShdw blurRad="38100" dist="38100" dir="2700000" algn="tl">
+                    <a:srgbClr val="000000">
+                      <a:alpha val="43137"/>
+                    </a:srgbClr>
+                  </a:outerShdw>
+                </a:effectLst>
+                <a:latin typeface="Arial Narrow" panose="020B0606020202030204" pitchFamily="34" charset="0"/>
+              </a:rPr>
+              <a:t> </a:t>
+            </a:r>
+            <a:r>
+              <a:rPr lang="fr-FR" dirty="0" err="1">
+                <a:solidFill>
+                  <a:schemeClr val="tx1"/>
+                </a:solidFill>
+                <a:effectLst>
+                  <a:outerShdw blurRad="38100" dist="38100" dir="2700000" algn="tl">
+                    <a:srgbClr val="000000">
+                      <a:alpha val="43137"/>
+                    </a:srgbClr>
+                  </a:outerShdw>
+                </a:effectLst>
+                <a:latin typeface="Arial Narrow" panose="020B0606020202030204" pitchFamily="34" charset="0"/>
+              </a:rPr>
+              <a:t>drawing</a:t>
+            </a:r>
+            <a:endParaRPr lang="fr-FR" dirty="0">
+              <a:solidFill>
+                <a:schemeClr val="tx1"/>
+              </a:solidFill>
+              <a:effectLst>
+                <a:outerShdw blurRad="38100" dist="38100" dir="2700000" algn="tl">
+                  <a:srgbClr val="000000">
+                    <a:alpha val="43137"/>
+                  </a:srgbClr>
+                </a:outerShdw>
+              </a:effectLst>
+              <a:latin typeface="Arial Narrow" panose="020B0606020202030204" pitchFamily="34" charset="0"/>
+            </a:endParaRPr>
+          </a:p>
+          <a:p>
+            <a:pPr marL="0" indent="0">
+              <a:buNone/>
+            </a:pPr>
+            <a:r>
+              <a:rPr lang="fr-FR" dirty="0">
+                <a:solidFill>
+                  <a:schemeClr val="tx1"/>
+                </a:solidFill>
+                <a:effectLst>
+                  <a:outerShdw blurRad="38100" dist="38100" dir="2700000" algn="tl">
+                    <a:srgbClr val="000000">
+                      <a:alpha val="43137"/>
+                    </a:srgbClr>
+                  </a:outerShdw>
+                </a:effectLst>
+                <a:latin typeface="Arial Narrow" panose="020B0606020202030204" pitchFamily="34" charset="0"/>
+              </a:rPr>
+              <a:t>and code.</a:t>
+            </a:r>
+          </a:p>
+          <a:p>
+            <a:pPr marL="0" indent="0">
+              <a:buNone/>
+            </a:pPr>
+            <a:endParaRPr lang="fr-FR" dirty="0">
+              <a:solidFill>
+                <a:schemeClr val="tx1"/>
+              </a:solidFill>
+              <a:effectLst>
+                <a:outerShdw blurRad="38100" dist="38100" dir="2700000" algn="tl">
+                  <a:srgbClr val="000000">
+                    <a:alpha val="43137"/>
+                  </a:srgbClr>
+                </a:outerShdw>
+              </a:effectLst>
+              <a:latin typeface="Arial Narrow" panose="020B0606020202030204" pitchFamily="34" charset="0"/>
+            </a:endParaRPr>
+          </a:p>
+          <a:p>
+            <a:pPr indent="-342900"/>
+            <a:r>
+              <a:rPr lang="fr-FR" dirty="0" err="1">
+                <a:solidFill>
+                  <a:schemeClr val="tx1"/>
+                </a:solidFill>
+                <a:effectLst>
+                  <a:outerShdw blurRad="38100" dist="38100" dir="2700000" algn="tl">
+                    <a:srgbClr val="000000">
+                      <a:alpha val="43137"/>
+                    </a:srgbClr>
+                  </a:outerShdw>
+                </a:effectLst>
+                <a:latin typeface="Arial Narrow" panose="020B0606020202030204" pitchFamily="34" charset="0"/>
+              </a:rPr>
+              <a:t>Add</a:t>
+            </a:r>
+            <a:r>
+              <a:rPr lang="fr-FR" dirty="0">
+                <a:solidFill>
+                  <a:schemeClr val="tx1"/>
+                </a:solidFill>
+                <a:effectLst>
+                  <a:outerShdw blurRad="38100" dist="38100" dir="2700000" algn="tl">
+                    <a:srgbClr val="000000">
+                      <a:alpha val="43137"/>
+                    </a:srgbClr>
+                  </a:outerShdw>
+                </a:effectLst>
+                <a:latin typeface="Arial Narrow" panose="020B0606020202030204" pitchFamily="34" charset="0"/>
+              </a:rPr>
+              <a:t> code to </a:t>
+            </a:r>
+            <a:r>
+              <a:rPr lang="fr-FR" dirty="0" err="1">
+                <a:solidFill>
+                  <a:schemeClr val="tx1"/>
+                </a:solidFill>
+                <a:effectLst>
+                  <a:outerShdw blurRad="38100" dist="38100" dir="2700000" algn="tl">
+                    <a:srgbClr val="000000">
+                      <a:alpha val="43137"/>
+                    </a:srgbClr>
+                  </a:outerShdw>
+                </a:effectLst>
+                <a:latin typeface="Arial Narrow" panose="020B0606020202030204" pitchFamily="34" charset="0"/>
+              </a:rPr>
+              <a:t>see</a:t>
+            </a:r>
+            <a:r>
+              <a:rPr lang="fr-FR" dirty="0">
+                <a:solidFill>
+                  <a:schemeClr val="tx1"/>
+                </a:solidFill>
+                <a:effectLst>
+                  <a:outerShdw blurRad="38100" dist="38100" dir="2700000" algn="tl">
+                    <a:srgbClr val="000000">
+                      <a:alpha val="43137"/>
+                    </a:srgbClr>
+                  </a:outerShdw>
+                </a:effectLst>
+                <a:latin typeface="Arial Narrow" panose="020B0606020202030204" pitchFamily="34" charset="0"/>
+              </a:rPr>
+              <a:t> how to </a:t>
+            </a:r>
+            <a:r>
+              <a:rPr lang="fr-FR" dirty="0" err="1">
+                <a:solidFill>
+                  <a:schemeClr val="tx1"/>
+                </a:solidFill>
+                <a:effectLst>
+                  <a:outerShdw blurRad="38100" dist="38100" dir="2700000" algn="tl">
+                    <a:srgbClr val="000000">
+                      <a:alpha val="43137"/>
+                    </a:srgbClr>
+                  </a:outerShdw>
+                </a:effectLst>
+                <a:latin typeface="Arial Narrow" panose="020B0606020202030204" pitchFamily="34" charset="0"/>
+              </a:rPr>
+              <a:t>create</a:t>
+            </a:r>
+            <a:r>
+              <a:rPr lang="fr-FR" dirty="0">
+                <a:solidFill>
+                  <a:schemeClr val="tx1"/>
+                </a:solidFill>
+                <a:effectLst>
+                  <a:outerShdw blurRad="38100" dist="38100" dir="2700000" algn="tl">
+                    <a:srgbClr val="000000">
+                      <a:alpha val="43137"/>
+                    </a:srgbClr>
+                  </a:outerShdw>
+                </a:effectLst>
+                <a:latin typeface="Arial Narrow" panose="020B0606020202030204" pitchFamily="34" charset="0"/>
+              </a:rPr>
+              <a:t> </a:t>
+            </a:r>
+          </a:p>
+          <a:p>
+            <a:pPr marL="0" indent="0">
+              <a:buNone/>
+            </a:pPr>
+            <a:r>
+              <a:rPr lang="fr-FR" dirty="0">
+                <a:solidFill>
+                  <a:schemeClr val="tx1"/>
+                </a:solidFill>
+                <a:effectLst>
+                  <a:outerShdw blurRad="38100" dist="38100" dir="2700000" algn="tl">
+                    <a:srgbClr val="000000">
+                      <a:alpha val="43137"/>
+                    </a:srgbClr>
+                  </a:outerShdw>
+                </a:effectLst>
+                <a:latin typeface="Arial Narrow" panose="020B0606020202030204" pitchFamily="34" charset="0"/>
+              </a:rPr>
+              <a:t>interface.</a:t>
+            </a:r>
+          </a:p>
+          <a:p>
+            <a:pPr marL="0" indent="0">
+              <a:buNone/>
+            </a:pPr>
+            <a:endParaRPr lang="fr-FR" b="1" dirty="0">
+              <a:solidFill>
+                <a:schemeClr val="tx1"/>
+              </a:solidFill>
+              <a:latin typeface="Arial Narrow" panose="020B0606020202030204" pitchFamily="34" charset="0"/>
+            </a:endParaRPr>
+          </a:p>
+          <a:p>
+            <a:pPr marL="0" indent="0">
+              <a:buNone/>
+            </a:pPr>
+            <a:endParaRPr lang="fr-FR" b="1" dirty="0">
+              <a:solidFill>
+                <a:schemeClr val="tx1"/>
+              </a:solidFill>
+              <a:latin typeface="Arial Narrow" panose="020B0606020202030204" pitchFamily="34" charset="0"/>
+            </a:endParaRPr>
+          </a:p>
+          <a:p>
+            <a:pPr marL="0" indent="0">
+              <a:buNone/>
+            </a:pPr>
+            <a:endParaRPr lang="fr-FR" b="1" dirty="0">
+              <a:solidFill>
+                <a:schemeClr val="tx1"/>
+              </a:solidFill>
+              <a:latin typeface="Arial Narrow" panose="020B0606020202030204" pitchFamily="34" charset="0"/>
+            </a:endParaRPr>
+          </a:p>
+          <a:p>
+            <a:pPr marL="0" indent="0">
+              <a:buNone/>
+            </a:pPr>
+            <a:endParaRPr lang="fr-FR" b="1" dirty="0">
+              <a:solidFill>
+                <a:schemeClr val="tx1"/>
+              </a:solidFill>
+              <a:latin typeface="Arial Narrow" panose="020B0606020202030204" pitchFamily="34" charset="0"/>
+            </a:endParaRPr>
+          </a:p>
+          <a:p>
+            <a:pPr marL="0" indent="0">
+              <a:buNone/>
+            </a:pPr>
+            <a:endParaRPr lang="fr-FR" b="1" dirty="0">
+              <a:solidFill>
+                <a:schemeClr val="tx1"/>
+              </a:solidFill>
+              <a:latin typeface="Arial Narrow" panose="020B0606020202030204" pitchFamily="34" charset="0"/>
+            </a:endParaRPr>
+          </a:p>
+        </p:txBody>
+      </p:sp>
+      <p:pic>
+        <p:nvPicPr>
+          <p:cNvPr id="4" name="Image 3"/>
+          <p:cNvPicPr>
+            <a:picLocks noChangeAspect="1"/>
+          </p:cNvPicPr>
+          <p:nvPr/>
+        </p:nvPicPr>
+        <p:blipFill>
+          <a:blip r:embed="rId2">
+            <a:extLst>
+              <a:ext uri="{28A0092B-C50C-407E-A947-70E740481C1C}">
+                <a14:useLocalDpi xmlns:a14="http://schemas.microsoft.com/office/drawing/2010/main" val="0"/>
+              </a:ext>
+            </a:extLst>
+          </a:blip>
+          <a:stretch>
+            <a:fillRect/>
+          </a:stretch>
+        </p:blipFill>
+        <p:spPr>
+          <a:xfrm>
+            <a:off x="4903257" y="1580050"/>
+            <a:ext cx="2374837" cy="4456500"/>
+          </a:xfrm>
+          <a:prstGeom prst="roundRect">
+            <a:avLst>
+              <a:gd name="adj" fmla="val 4167"/>
+            </a:avLst>
+          </a:prstGeom>
+          <a:solidFill>
+            <a:srgbClr val="FFFFFF"/>
+          </a:solidFill>
+          <a:ln w="76200" cap="sq">
+            <a:solidFill>
+              <a:srgbClr val="EAEAEA"/>
+            </a:solidFill>
+            <a:miter lim="800000"/>
+          </a:ln>
+          <a:effectLst>
+            <a:reflection blurRad="12700" stA="33000" endPos="28000" dist="5000" dir="5400000" sy="-100000" algn="bl" rotWithShape="0"/>
+          </a:effectLst>
+          <a:scene3d>
+            <a:camera prst="orthographicFront"/>
+            <a:lightRig rig="threePt" dir="t">
+              <a:rot lat="0" lon="0" rev="2700000"/>
+            </a:lightRig>
+          </a:scene3d>
+          <a:sp3d contourW="6350">
+            <a:bevelT h="38100"/>
+            <a:contourClr>
+              <a:srgbClr val="C0C0C0"/>
+            </a:contourClr>
+          </a:sp3d>
+        </p:spPr>
+      </p:pic>
+      <p:cxnSp>
+        <p:nvCxnSpPr>
+          <p:cNvPr id="8" name="Connecteur droit avec flèche 7"/>
+          <p:cNvCxnSpPr>
+            <a:stCxn id="9" idx="1"/>
+          </p:cNvCxnSpPr>
+          <p:nvPr/>
+        </p:nvCxnSpPr>
+        <p:spPr>
+          <a:xfrm flipH="1">
+            <a:off x="6776720" y="1963505"/>
+            <a:ext cx="2052320" cy="1013375"/>
+          </a:xfrm>
+          <a:prstGeom prst="straightConnector1">
+            <a:avLst/>
+          </a:prstGeom>
+          <a:ln>
+            <a:tailEnd type="triangle"/>
+          </a:ln>
+        </p:spPr>
+        <p:style>
+          <a:lnRef idx="2">
+            <a:schemeClr val="dk1"/>
+          </a:lnRef>
+          <a:fillRef idx="0">
+            <a:schemeClr val="dk1"/>
+          </a:fillRef>
+          <a:effectRef idx="1">
+            <a:schemeClr val="dk1"/>
+          </a:effectRef>
+          <a:fontRef idx="minor">
+            <a:schemeClr val="tx1"/>
+          </a:fontRef>
+        </p:style>
+      </p:cxnSp>
+      <p:sp>
+        <p:nvSpPr>
+          <p:cNvPr id="9" name="Rectangle : coins arrondis 8"/>
+          <p:cNvSpPr/>
+          <p:nvPr/>
+        </p:nvSpPr>
+        <p:spPr>
+          <a:xfrm>
+            <a:off x="8829040" y="1732449"/>
+            <a:ext cx="2834640" cy="462111"/>
+          </a:xfrm>
+          <a:prstGeom prst="roundRect">
+            <a:avLst/>
+          </a:prstGeom>
+          <a:solidFill>
+            <a:srgbClr val="002060"/>
+          </a:solidFill>
+          <a:ln>
+            <a:solidFill>
+              <a:srgbClr val="7030A0"/>
+            </a:solidFill>
+          </a:ln>
+        </p:spPr>
+        <p:style>
+          <a:lnRef idx="2">
+            <a:schemeClr val="accent1">
+              <a:shade val="50000"/>
+            </a:schemeClr>
+          </a:lnRef>
+          <a:fillRef idx="1">
+            <a:schemeClr val="accent1"/>
+          </a:fillRef>
+          <a:effectRef idx="0">
+            <a:schemeClr val="accent1"/>
+          </a:effectRef>
+          <a:fontRef idx="minor">
+            <a:schemeClr val="lt1"/>
+          </a:fontRef>
+        </p:style>
+        <p:txBody>
+          <a:bodyPr rtlCol="0" anchor="ctr"/>
+          <a:lstStyle/>
+          <a:p>
+            <a:pPr algn="ctr"/>
+            <a:r>
+              <a:rPr lang="fr-FR" dirty="0"/>
+              <a:t>Entertainment part</a:t>
+            </a:r>
+          </a:p>
+        </p:txBody>
+      </p:sp>
+      <p:sp>
+        <p:nvSpPr>
+          <p:cNvPr id="12" name="Rectangle : coins arrondis 11"/>
+          <p:cNvSpPr/>
+          <p:nvPr/>
+        </p:nvSpPr>
+        <p:spPr>
+          <a:xfrm>
+            <a:off x="8829040" y="4175929"/>
+            <a:ext cx="2834640" cy="629751"/>
+          </a:xfrm>
+          <a:prstGeom prst="roundRect">
+            <a:avLst/>
+          </a:prstGeom>
+          <a:solidFill>
+            <a:srgbClr val="002060"/>
+          </a:solidFill>
+          <a:ln>
+            <a:solidFill>
+              <a:srgbClr val="7030A0"/>
+            </a:solidFill>
+          </a:ln>
+        </p:spPr>
+        <p:style>
+          <a:lnRef idx="2">
+            <a:schemeClr val="accent1">
+              <a:shade val="50000"/>
+            </a:schemeClr>
+          </a:lnRef>
+          <a:fillRef idx="1">
+            <a:schemeClr val="accent1"/>
+          </a:fillRef>
+          <a:effectRef idx="0">
+            <a:schemeClr val="accent1"/>
+          </a:effectRef>
+          <a:fontRef idx="minor">
+            <a:schemeClr val="lt1"/>
+          </a:fontRef>
+        </p:style>
+        <p:txBody>
+          <a:bodyPr rtlCol="0" anchor="ctr"/>
+          <a:lstStyle/>
+          <a:p>
+            <a:pPr algn="ctr"/>
+            <a:r>
+              <a:rPr lang="fr-FR" dirty="0"/>
+              <a:t>Main information of the Aquarium</a:t>
+            </a:r>
+          </a:p>
+        </p:txBody>
+      </p:sp>
+      <p:cxnSp>
+        <p:nvCxnSpPr>
+          <p:cNvPr id="13" name="Connecteur droit avec flèche 12"/>
+          <p:cNvCxnSpPr>
+            <a:stCxn id="12" idx="1"/>
+          </p:cNvCxnSpPr>
+          <p:nvPr/>
+        </p:nvCxnSpPr>
+        <p:spPr>
+          <a:xfrm flipH="1">
+            <a:off x="6776720" y="4490805"/>
+            <a:ext cx="2052320" cy="314875"/>
+          </a:xfrm>
+          <a:prstGeom prst="straightConnector1">
+            <a:avLst/>
+          </a:prstGeom>
+          <a:ln>
+            <a:tailEnd type="triangle"/>
+          </a:ln>
+        </p:spPr>
+        <p:style>
+          <a:lnRef idx="2">
+            <a:schemeClr val="dk1"/>
+          </a:lnRef>
+          <a:fillRef idx="0">
+            <a:schemeClr val="dk1"/>
+          </a:fillRef>
+          <a:effectRef idx="1">
+            <a:schemeClr val="dk1"/>
+          </a:effectRef>
+          <a:fontRef idx="minor">
+            <a:schemeClr val="tx1"/>
+          </a:fontRef>
+        </p:style>
+      </p:cxnSp>
     </p:spTree>
     <p:extLst>
       <p:ext uri="{BB962C8B-B14F-4D97-AF65-F5344CB8AC3E}">
-        <p14:creationId xmlns:p14="http://schemas.microsoft.com/office/powerpoint/2010/main" val="1810243244"/>
+        <p14:creationId xmlns:p14="http://schemas.microsoft.com/office/powerpoint/2010/main" val="2162104263"/>
       </p:ext>
     </p:extLst>
   </p:cSld>
   <p:clrMapOvr>
     <a:masterClrMapping/>
   </p:clrMapOvr>
-  <p:timing>
-    <p:tnLst>
-      <p:par>
-        <p:cTn id="1" dur="indefinite" restart="never" nodeType="tmRoot"/>
-      </p:par>
-    </p:tnLst>
-  </p:timing>
 </p:sld>
 </file>
 
